--- a/static/docs/help.pptx
+++ b/static/docs/help.pptx
@@ -673,8 +673,8 @@
         </p:blipFill>
         <p:spPr>
           <a:xfrm>
-            <a:off x="3378200" y="666044"/>
-            <a:ext cx="3124201" cy="3390901"/>
+            <a:off x="4940300" y="3405011"/>
+            <a:ext cx="3124200" cy="3390901"/>
           </a:xfrm>
           <a:prstGeom prst="rect">
             <a:avLst/>
@@ -692,7 +692,7 @@
         </p:nvSpPr>
         <p:spPr>
           <a:xfrm>
-            <a:off x="545542" y="105833"/>
+            <a:off x="2850219" y="2964744"/>
             <a:ext cx="1246317" cy="268112"/>
           </a:xfrm>
           <a:prstGeom prst="rect">
@@ -749,8 +749,8 @@
         </p:nvSpPr>
         <p:spPr>
           <a:xfrm>
-            <a:off x="545542" y="1665816"/>
-            <a:ext cx="2495184" cy="1131712"/>
+            <a:off x="545542" y="802216"/>
+            <a:ext cx="7607858" cy="1563512"/>
           </a:xfrm>
           <a:prstGeom prst="rect">
             <a:avLst/>
@@ -765,105 +765,50 @@
           </a:extLst>
         </p:spPr>
         <p:txBody>
-          <a:bodyPr wrap="none" lIns="45155" tIns="45155" rIns="45155" bIns="45155" anchor="ctr">
+          <a:bodyPr lIns="45155" tIns="45155" rIns="45155" bIns="45155" anchor="ctr">
             <a:spAutoFit/>
           </a:bodyPr>
           <a:lstStyle/>
           <a:p>
-            <a:pPr lvl="0" algn="l">
+            <a:pPr lvl="0">
               <a:defRPr sz="1800"/>
             </a:pPr>
             <a:r>
-              <a:rPr sz="3400"/>
+              <a:rPr sz="4800"/>
               <a:t>Welcome to</a:t>
             </a:r>
-            <a:endParaRPr sz="3400"/>
+            <a:endParaRPr sz="4800"/>
           </a:p>
           <a:p>
-            <a:pPr lvl="0" algn="l">
+            <a:pPr lvl="0">
               <a:defRPr sz="1800"/>
             </a:pPr>
             <a:r>
-              <a:rPr sz="3400"/>
+              <a:rPr sz="4800"/>
               <a:t>SHEBANQ</a:t>
-            </a:r>
-          </a:p>
-        </p:txBody>
-      </p:sp>
-      <p:sp>
-        <p:nvSpPr>
-          <p:cNvPr id="9" name="Shape 9"/>
-          <p:cNvSpPr/>
-          <p:nvPr/>
-        </p:nvSpPr>
-        <p:spPr>
-          <a:xfrm>
-            <a:off x="647699" y="4723694"/>
-            <a:ext cx="4970999" cy="306212"/>
-          </a:xfrm>
-          <a:prstGeom prst="rect">
-            <a:avLst/>
-          </a:prstGeom>
-          <a:ln w="3175">
-            <a:miter lim="400000"/>
-          </a:ln>
-          <a:extLst>
-            <a:ext uri="{C572A759-6A51-4108-AA02-DFA0A04FC94B}">
-              <ma14:wrappingTextBoxFlag xmlns:ma14="http://schemas.microsoft.com/office/mac/drawingml/2011/main" val="1"/>
-            </a:ext>
-          </a:extLst>
-        </p:spPr>
-        <p:txBody>
-          <a:bodyPr wrap="none" lIns="45155" tIns="45155" rIns="45155" bIns="45155" anchor="ctr">
-            <a:spAutoFit/>
-          </a:bodyPr>
-          <a:lstStyle>
-            <a:lvl1pPr>
-              <a:defRPr sz="1400">
-                <a:solidFill>
-                  <a:srgbClr val="53585F"/>
-                </a:solidFill>
-              </a:defRPr>
-            </a:lvl1pPr>
-          </a:lstStyle>
-          <a:p>
-            <a:pPr lvl="0">
-              <a:defRPr sz="1800">
-                <a:solidFill>
-                  <a:srgbClr val="000000"/>
-                </a:solidFill>
-              </a:defRPr>
-            </a:pPr>
-            <a:r>
-              <a:rPr sz="1400">
-                <a:solidFill>
-                  <a:srgbClr val="53585F"/>
-                </a:solidFill>
-              </a:rPr>
-              <a:t>System for HEBrew text: ANnotations for Queries and markup</a:t>
             </a:r>
           </a:p>
         </p:txBody>
       </p:sp>
       <p:graphicFrame>
         <p:nvGraphicFramePr>
-          <p:cNvPr id="10" name="Table 10"/>
+          <p:cNvPr id="9" name="Table 9"/>
           <p:cNvGraphicFramePr/>
           <p:nvPr/>
         </p:nvGraphicFramePr>
         <p:xfrm>
-          <a:off x="647699" y="5569655"/>
-          <a:ext cx="4927325" cy="3657601"/>
+          <a:off x="647700" y="4184650"/>
+          <a:ext cx="4292600" cy="3657600"/>
         </p:xfrm>
         <a:graphic xmlns:a="http://schemas.openxmlformats.org/drawingml/2006/main">
           <a:graphicData uri="http://schemas.openxmlformats.org/drawingml/2006/table">
             <a:tbl>
-              <a:tblPr firstCol="0" firstRow="0" lastCol="0" lastRow="0" bandCol="0" bandRow="1" rtl="0">
+              <a:tblPr firstCol="0" firstRow="0" lastCol="0" lastRow="0" bandCol="0" bandRow="0" rtl="0">
                 <a:tableStyleId>{4C3C2611-4C71-4FC5-86AE-919BDF0F9419}</a:tableStyleId>
               </a:tblPr>
               <a:tblGrid>
-                <a:gridCol w="1451771"/>
-                <a:gridCol w="3475551"/>
+                <a:gridCol w="1264758"/>
+                <a:gridCol w="3027841"/>
               </a:tblGrid>
               <a:tr h="1219200">
                 <a:tc>
@@ -877,6 +822,34 @@
                     </a:p>
                   </a:txBody>
                   <a:tcPr marL="63500" marR="63500" marT="25400" marB="25400" anchor="t" anchorCtr="0" horzOverflow="overflow">
+                    <a:lnL w="0">
+                      <a:solidFill>
+                        <a:srgbClr val="000000"/>
+                      </a:solidFill>
+                      <a:custDash/>
+                      <a:miter lim="0"/>
+                    </a:lnL>
+                    <a:lnR w="0">
+                      <a:solidFill>
+                        <a:srgbClr val="000000"/>
+                      </a:solidFill>
+                      <a:custDash/>
+                      <a:miter lim="0"/>
+                    </a:lnR>
+                    <a:lnT w="0">
+                      <a:solidFill>
+                        <a:srgbClr val="000000"/>
+                      </a:solidFill>
+                      <a:custDash/>
+                      <a:miter lim="0"/>
+                    </a:lnT>
+                    <a:lnB w="0">
+                      <a:solidFill>
+                        <a:srgbClr val="000000"/>
+                      </a:solidFill>
+                      <a:custDash/>
+                      <a:miter lim="0"/>
+                    </a:lnB>
                     <a:blipFill rotWithShape="1">
                       <a:blip r:embed="rId4"/>
                       <a:srcRect l="0" t="0" r="0" b="0"/>
@@ -946,7 +919,36 @@
                       </a:r>
                     </a:p>
                   </a:txBody>
-                  <a:tcPr marL="63500" marR="63500" marT="25400" marB="25400" anchor="t" anchorCtr="0" horzOverflow="overflow"/>
+                  <a:tcPr marL="63500" marR="63500" marT="25400" marB="25400" anchor="t" anchorCtr="0" horzOverflow="overflow">
+                    <a:lnL w="0">
+                      <a:solidFill>
+                        <a:srgbClr val="000000"/>
+                      </a:solidFill>
+                      <a:custDash/>
+                      <a:miter lim="0"/>
+                    </a:lnL>
+                    <a:lnR w="0">
+                      <a:solidFill>
+                        <a:srgbClr val="000000"/>
+                      </a:solidFill>
+                      <a:custDash/>
+                      <a:miter lim="0"/>
+                    </a:lnR>
+                    <a:lnT w="0">
+                      <a:solidFill>
+                        <a:srgbClr val="000000"/>
+                      </a:solidFill>
+                      <a:custDash/>
+                      <a:miter lim="0"/>
+                    </a:lnT>
+                    <a:lnB w="0">
+                      <a:solidFill>
+                        <a:srgbClr val="000000"/>
+                      </a:solidFill>
+                      <a:custDash/>
+                      <a:miter lim="0"/>
+                    </a:lnB>
+                  </a:tcPr>
                 </a:tc>
               </a:tr>
               <a:tr h="1219200">
@@ -961,6 +963,34 @@
                     </a:p>
                   </a:txBody>
                   <a:tcPr marL="63500" marR="63500" marT="25400" marB="25400" anchor="t" anchorCtr="0" horzOverflow="overflow">
+                    <a:lnL w="0">
+                      <a:solidFill>
+                        <a:srgbClr val="000000"/>
+                      </a:solidFill>
+                      <a:custDash/>
+                      <a:miter lim="0"/>
+                    </a:lnL>
+                    <a:lnR w="0">
+                      <a:solidFill>
+                        <a:srgbClr val="000000"/>
+                      </a:solidFill>
+                      <a:custDash/>
+                      <a:miter lim="0"/>
+                    </a:lnR>
+                    <a:lnT w="0">
+                      <a:solidFill>
+                        <a:srgbClr val="000000"/>
+                      </a:solidFill>
+                      <a:custDash/>
+                      <a:miter lim="0"/>
+                    </a:lnT>
+                    <a:lnB w="0">
+                      <a:solidFill>
+                        <a:srgbClr val="000000"/>
+                      </a:solidFill>
+                      <a:custDash/>
+                      <a:miter lim="0"/>
+                    </a:lnB>
                     <a:blipFill rotWithShape="1">
                       <a:blip r:embed="rId7"/>
                       <a:srcRect l="0" t="0" r="0" b="0"/>
@@ -1030,7 +1060,36 @@
                       </a:r>
                     </a:p>
                   </a:txBody>
-                  <a:tcPr marL="63500" marR="63500" marT="25400" marB="25400" anchor="t" anchorCtr="0" horzOverflow="overflow"/>
+                  <a:tcPr marL="63500" marR="63500" marT="25400" marB="25400" anchor="t" anchorCtr="0" horzOverflow="overflow">
+                    <a:lnL w="0">
+                      <a:solidFill>
+                        <a:srgbClr val="000000"/>
+                      </a:solidFill>
+                      <a:custDash/>
+                      <a:miter lim="0"/>
+                    </a:lnL>
+                    <a:lnR w="0">
+                      <a:solidFill>
+                        <a:srgbClr val="000000"/>
+                      </a:solidFill>
+                      <a:custDash/>
+                      <a:miter lim="0"/>
+                    </a:lnR>
+                    <a:lnT w="0">
+                      <a:solidFill>
+                        <a:srgbClr val="000000"/>
+                      </a:solidFill>
+                      <a:custDash/>
+                      <a:miter lim="0"/>
+                    </a:lnT>
+                    <a:lnB w="0">
+                      <a:solidFill>
+                        <a:srgbClr val="000000"/>
+                      </a:solidFill>
+                      <a:custDash/>
+                      <a:miter lim="0"/>
+                    </a:lnB>
+                  </a:tcPr>
                 </a:tc>
               </a:tr>
               <a:tr h="1219200">
@@ -1045,6 +1104,34 @@
                     </a:p>
                   </a:txBody>
                   <a:tcPr marL="63500" marR="63500" marT="25400" marB="25400" anchor="t" anchorCtr="0" horzOverflow="overflow">
+                    <a:lnL w="0">
+                      <a:solidFill>
+                        <a:srgbClr val="000000"/>
+                      </a:solidFill>
+                      <a:custDash/>
+                      <a:miter lim="0"/>
+                    </a:lnL>
+                    <a:lnR w="0">
+                      <a:solidFill>
+                        <a:srgbClr val="000000"/>
+                      </a:solidFill>
+                      <a:custDash/>
+                      <a:miter lim="0"/>
+                    </a:lnR>
+                    <a:lnT w="0">
+                      <a:solidFill>
+                        <a:srgbClr val="000000"/>
+                      </a:solidFill>
+                      <a:custDash/>
+                      <a:miter lim="0"/>
+                    </a:lnT>
+                    <a:lnB w="0">
+                      <a:solidFill>
+                        <a:srgbClr val="000000"/>
+                      </a:solidFill>
+                      <a:custDash/>
+                      <a:miter lim="0"/>
+                    </a:lnB>
                     <a:blipFill rotWithShape="1">
                       <a:blip r:embed="rId10"/>
                       <a:srcRect l="0" t="0" r="0" b="0"/>
@@ -1114,7 +1201,36 @@
                       </a:r>
                     </a:p>
                   </a:txBody>
-                  <a:tcPr marL="63500" marR="63500" marT="25400" marB="25400" anchor="t" anchorCtr="0" horzOverflow="overflow"/>
+                  <a:tcPr marL="63500" marR="63500" marT="25400" marB="25400" anchor="t" anchorCtr="0" horzOverflow="overflow">
+                    <a:lnL w="0">
+                      <a:solidFill>
+                        <a:srgbClr val="000000"/>
+                      </a:solidFill>
+                      <a:custDash/>
+                      <a:miter lim="0"/>
+                    </a:lnL>
+                    <a:lnR w="0">
+                      <a:solidFill>
+                        <a:srgbClr val="000000"/>
+                      </a:solidFill>
+                      <a:custDash/>
+                      <a:miter lim="0"/>
+                    </a:lnR>
+                    <a:lnT w="0">
+                      <a:solidFill>
+                        <a:srgbClr val="000000"/>
+                      </a:solidFill>
+                      <a:custDash/>
+                      <a:miter lim="0"/>
+                    </a:lnT>
+                    <a:lnB w="0">
+                      <a:solidFill>
+                        <a:srgbClr val="000000"/>
+                      </a:solidFill>
+                      <a:custDash/>
+                      <a:miter lim="0"/>
+                    </a:lnB>
+                  </a:tcPr>
                 </a:tc>
               </a:tr>
             </a:tbl>
@@ -1123,18 +1239,18 @@
       </p:graphicFrame>
       <p:graphicFrame>
         <p:nvGraphicFramePr>
-          <p:cNvPr id="11" name="Table 11"/>
+          <p:cNvPr id="10" name="Table 10"/>
           <p:cNvGraphicFramePr/>
           <p:nvPr/>
         </p:nvGraphicFramePr>
         <p:xfrm>
-          <a:off x="6946900" y="660399"/>
-          <a:ext cx="2540001" cy="6096001"/>
+          <a:off x="8995833" y="660400"/>
+          <a:ext cx="2540001" cy="6096000"/>
         </p:xfrm>
         <a:graphic xmlns:a="http://schemas.openxmlformats.org/drawingml/2006/main">
           <a:graphicData uri="http://schemas.openxmlformats.org/drawingml/2006/table">
             <a:tbl>
-              <a:tblPr firstCol="0" firstRow="0" lastCol="0" lastRow="0" bandCol="0" bandRow="1" rtl="0">
+              <a:tblPr firstCol="0" firstRow="0" lastCol="0" lastRow="0" bandCol="0" bandRow="0" rtl="0">
                 <a:tableStyleId>{4C3C2611-4C71-4FC5-86AE-919BDF0F9419}</a:tableStyleId>
               </a:tblPr>
               <a:tblGrid>
@@ -1153,6 +1269,34 @@
                     </a:p>
                   </a:txBody>
                   <a:tcPr marL="63500" marR="63500" marT="25400" marB="25400" anchor="t" anchorCtr="0" horzOverflow="overflow">
+                    <a:lnL w="0">
+                      <a:solidFill>
+                        <a:srgbClr val="000000"/>
+                      </a:solidFill>
+                      <a:custDash/>
+                      <a:miter lim="0"/>
+                    </a:lnL>
+                    <a:lnR w="0">
+                      <a:solidFill>
+                        <a:srgbClr val="000000"/>
+                      </a:solidFill>
+                      <a:custDash/>
+                      <a:miter lim="0"/>
+                    </a:lnR>
+                    <a:lnT w="0">
+                      <a:solidFill>
+                        <a:srgbClr val="000000"/>
+                      </a:solidFill>
+                      <a:custDash/>
+                      <a:miter lim="0"/>
+                    </a:lnT>
+                    <a:lnB w="0">
+                      <a:solidFill>
+                        <a:srgbClr val="000000"/>
+                      </a:solidFill>
+                      <a:custDash/>
+                      <a:miter lim="0"/>
+                    </a:lnB>
                     <a:blipFill rotWithShape="1">
                       <a:blip r:embed="rId13"/>
                       <a:srcRect l="0" t="0" r="0" b="0"/>
@@ -1222,7 +1366,36 @@
                       </a:r>
                     </a:p>
                   </a:txBody>
-                  <a:tcPr marL="63500" marR="63500" marT="25400" marB="25400" anchor="t" anchorCtr="0" horzOverflow="overflow"/>
+                  <a:tcPr marL="63500" marR="63500" marT="25400" marB="25400" anchor="t" anchorCtr="0" horzOverflow="overflow">
+                    <a:lnL w="0">
+                      <a:solidFill>
+                        <a:srgbClr val="000000"/>
+                      </a:solidFill>
+                      <a:custDash/>
+                      <a:miter lim="0"/>
+                    </a:lnL>
+                    <a:lnR w="0">
+                      <a:solidFill>
+                        <a:srgbClr val="000000"/>
+                      </a:solidFill>
+                      <a:custDash/>
+                      <a:miter lim="0"/>
+                    </a:lnR>
+                    <a:lnT w="0">
+                      <a:solidFill>
+                        <a:srgbClr val="000000"/>
+                      </a:solidFill>
+                      <a:custDash/>
+                      <a:miter lim="0"/>
+                    </a:lnT>
+                    <a:lnB w="0">
+                      <a:solidFill>
+                        <a:srgbClr val="000000"/>
+                      </a:solidFill>
+                      <a:custDash/>
+                      <a:miter lim="0"/>
+                    </a:lnB>
+                  </a:tcPr>
                 </a:tc>
               </a:tr>
               <a:tr h="1219200">
@@ -1237,6 +1410,34 @@
                     </a:p>
                   </a:txBody>
                   <a:tcPr marL="63500" marR="63500" marT="25400" marB="25400" anchor="t" anchorCtr="0" horzOverflow="overflow">
+                    <a:lnL w="0">
+                      <a:solidFill>
+                        <a:srgbClr val="000000"/>
+                      </a:solidFill>
+                      <a:custDash/>
+                      <a:miter lim="0"/>
+                    </a:lnL>
+                    <a:lnR w="0">
+                      <a:solidFill>
+                        <a:srgbClr val="000000"/>
+                      </a:solidFill>
+                      <a:custDash/>
+                      <a:miter lim="0"/>
+                    </a:lnR>
+                    <a:lnT w="0">
+                      <a:solidFill>
+                        <a:srgbClr val="000000"/>
+                      </a:solidFill>
+                      <a:custDash/>
+                      <a:miter lim="0"/>
+                    </a:lnT>
+                    <a:lnB w="0">
+                      <a:solidFill>
+                        <a:srgbClr val="000000"/>
+                      </a:solidFill>
+                      <a:custDash/>
+                      <a:miter lim="0"/>
+                    </a:lnB>
                     <a:blipFill rotWithShape="1">
                       <a:blip r:embed="rId15"/>
                       <a:srcRect l="0" t="0" r="0" b="0"/>
@@ -1306,7 +1507,36 @@
                       </a:r>
                     </a:p>
                   </a:txBody>
-                  <a:tcPr marL="63500" marR="63500" marT="25400" marB="25400" anchor="t" anchorCtr="0" horzOverflow="overflow"/>
+                  <a:tcPr marL="63500" marR="63500" marT="25400" marB="25400" anchor="t" anchorCtr="0" horzOverflow="overflow">
+                    <a:lnL w="0">
+                      <a:solidFill>
+                        <a:srgbClr val="000000"/>
+                      </a:solidFill>
+                      <a:custDash/>
+                      <a:miter lim="0"/>
+                    </a:lnL>
+                    <a:lnR w="0">
+                      <a:solidFill>
+                        <a:srgbClr val="000000"/>
+                      </a:solidFill>
+                      <a:custDash/>
+                      <a:miter lim="0"/>
+                    </a:lnR>
+                    <a:lnT w="0">
+                      <a:solidFill>
+                        <a:srgbClr val="000000"/>
+                      </a:solidFill>
+                      <a:custDash/>
+                      <a:miter lim="0"/>
+                    </a:lnT>
+                    <a:lnB w="0">
+                      <a:solidFill>
+                        <a:srgbClr val="000000"/>
+                      </a:solidFill>
+                      <a:custDash/>
+                      <a:miter lim="0"/>
+                    </a:lnB>
+                  </a:tcPr>
                 </a:tc>
               </a:tr>
               <a:tr h="1219200">
@@ -1321,6 +1551,34 @@
                     </a:p>
                   </a:txBody>
                   <a:tcPr marL="63500" marR="63500" marT="25400" marB="25400" anchor="t" anchorCtr="0" horzOverflow="overflow">
+                    <a:lnL w="0">
+                      <a:solidFill>
+                        <a:srgbClr val="000000"/>
+                      </a:solidFill>
+                      <a:custDash/>
+                      <a:miter lim="0"/>
+                    </a:lnL>
+                    <a:lnR w="0">
+                      <a:solidFill>
+                        <a:srgbClr val="000000"/>
+                      </a:solidFill>
+                      <a:custDash/>
+                      <a:miter lim="0"/>
+                    </a:lnR>
+                    <a:lnT w="0">
+                      <a:solidFill>
+                        <a:srgbClr val="000000"/>
+                      </a:solidFill>
+                      <a:custDash/>
+                      <a:miter lim="0"/>
+                    </a:lnT>
+                    <a:lnB w="0">
+                      <a:solidFill>
+                        <a:srgbClr val="000000"/>
+                      </a:solidFill>
+                      <a:custDash/>
+                      <a:miter lim="0"/>
+                    </a:lnB>
                     <a:blipFill rotWithShape="1">
                       <a:blip r:embed="rId17"/>
                       <a:srcRect l="0" t="0" r="0" b="0"/>
@@ -1390,7 +1648,36 @@
                       </a:r>
                     </a:p>
                   </a:txBody>
-                  <a:tcPr marL="63500" marR="63500" marT="25400" marB="25400" anchor="t" anchorCtr="0" horzOverflow="overflow"/>
+                  <a:tcPr marL="63500" marR="63500" marT="25400" marB="25400" anchor="t" anchorCtr="0" horzOverflow="overflow">
+                    <a:lnL w="0">
+                      <a:solidFill>
+                        <a:srgbClr val="000000"/>
+                      </a:solidFill>
+                      <a:custDash/>
+                      <a:miter lim="0"/>
+                    </a:lnL>
+                    <a:lnR w="0">
+                      <a:solidFill>
+                        <a:srgbClr val="000000"/>
+                      </a:solidFill>
+                      <a:custDash/>
+                      <a:miter lim="0"/>
+                    </a:lnR>
+                    <a:lnT w="0">
+                      <a:solidFill>
+                        <a:srgbClr val="000000"/>
+                      </a:solidFill>
+                      <a:custDash/>
+                      <a:miter lim="0"/>
+                    </a:lnT>
+                    <a:lnB w="0">
+                      <a:solidFill>
+                        <a:srgbClr val="000000"/>
+                      </a:solidFill>
+                      <a:custDash/>
+                      <a:miter lim="0"/>
+                    </a:lnB>
+                  </a:tcPr>
                 </a:tc>
               </a:tr>
               <a:tr h="1219200">
@@ -1405,6 +1692,34 @@
                     </a:p>
                   </a:txBody>
                   <a:tcPr marL="63500" marR="63500" marT="25400" marB="25400" anchor="t" anchorCtr="0" horzOverflow="overflow">
+                    <a:lnL w="0">
+                      <a:solidFill>
+                        <a:srgbClr val="000000"/>
+                      </a:solidFill>
+                      <a:custDash/>
+                      <a:miter lim="0"/>
+                    </a:lnL>
+                    <a:lnR w="0">
+                      <a:solidFill>
+                        <a:srgbClr val="000000"/>
+                      </a:solidFill>
+                      <a:custDash/>
+                      <a:miter lim="0"/>
+                    </a:lnR>
+                    <a:lnT w="0">
+                      <a:solidFill>
+                        <a:srgbClr val="000000"/>
+                      </a:solidFill>
+                      <a:custDash/>
+                      <a:miter lim="0"/>
+                    </a:lnT>
+                    <a:lnB w="0">
+                      <a:solidFill>
+                        <a:srgbClr val="000000"/>
+                      </a:solidFill>
+                      <a:custDash/>
+                      <a:miter lim="0"/>
+                    </a:lnB>
                     <a:blipFill rotWithShape="1">
                       <a:blip r:embed="rId19"/>
                       <a:srcRect l="0" t="0" r="0" b="0"/>
@@ -1474,7 +1789,36 @@
                       </a:r>
                     </a:p>
                   </a:txBody>
-                  <a:tcPr marL="63500" marR="63500" marT="25400" marB="25400" anchor="t" anchorCtr="0" horzOverflow="overflow"/>
+                  <a:tcPr marL="63500" marR="63500" marT="25400" marB="25400" anchor="t" anchorCtr="0" horzOverflow="overflow">
+                    <a:lnL w="0">
+                      <a:solidFill>
+                        <a:srgbClr val="000000"/>
+                      </a:solidFill>
+                      <a:custDash/>
+                      <a:miter lim="0"/>
+                    </a:lnL>
+                    <a:lnR w="0">
+                      <a:solidFill>
+                        <a:srgbClr val="000000"/>
+                      </a:solidFill>
+                      <a:custDash/>
+                      <a:miter lim="0"/>
+                    </a:lnR>
+                    <a:lnT w="0">
+                      <a:solidFill>
+                        <a:srgbClr val="000000"/>
+                      </a:solidFill>
+                      <a:custDash/>
+                      <a:miter lim="0"/>
+                    </a:lnT>
+                    <a:lnB w="0">
+                      <a:solidFill>
+                        <a:srgbClr val="000000"/>
+                      </a:solidFill>
+                      <a:custDash/>
+                      <a:miter lim="0"/>
+                    </a:lnB>
+                  </a:tcPr>
                 </a:tc>
               </a:tr>
               <a:tr h="1219200">
@@ -1489,6 +1833,34 @@
                     </a:p>
                   </a:txBody>
                   <a:tcPr marL="63500" marR="63500" marT="25400" marB="25400" anchor="t" anchorCtr="0" horzOverflow="overflow">
+                    <a:lnL w="0">
+                      <a:solidFill>
+                        <a:srgbClr val="000000"/>
+                      </a:solidFill>
+                      <a:custDash/>
+                      <a:miter lim="0"/>
+                    </a:lnL>
+                    <a:lnR w="0">
+                      <a:solidFill>
+                        <a:srgbClr val="000000"/>
+                      </a:solidFill>
+                      <a:custDash/>
+                      <a:miter lim="0"/>
+                    </a:lnR>
+                    <a:lnT w="0">
+                      <a:solidFill>
+                        <a:srgbClr val="000000"/>
+                      </a:solidFill>
+                      <a:custDash/>
+                      <a:miter lim="0"/>
+                    </a:lnT>
+                    <a:lnB w="0">
+                      <a:solidFill>
+                        <a:srgbClr val="000000"/>
+                      </a:solidFill>
+                      <a:custDash/>
+                      <a:miter lim="0"/>
+                    </a:lnB>
                     <a:blipFill rotWithShape="1">
                       <a:blip r:embed="rId22"/>
                       <a:srcRect l="0" t="0" r="0" b="0"/>
@@ -1558,7 +1930,36 @@
                       </a:r>
                     </a:p>
                   </a:txBody>
-                  <a:tcPr marL="63500" marR="63500" marT="25400" marB="25400" anchor="t" anchorCtr="0" horzOverflow="overflow"/>
+                  <a:tcPr marL="63500" marR="63500" marT="25400" marB="25400" anchor="t" anchorCtr="0" horzOverflow="overflow">
+                    <a:lnL w="0">
+                      <a:solidFill>
+                        <a:srgbClr val="000000"/>
+                      </a:solidFill>
+                      <a:custDash/>
+                      <a:miter lim="0"/>
+                    </a:lnL>
+                    <a:lnR w="0">
+                      <a:solidFill>
+                        <a:srgbClr val="000000"/>
+                      </a:solidFill>
+                      <a:custDash/>
+                      <a:miter lim="0"/>
+                    </a:lnR>
+                    <a:lnT w="0">
+                      <a:solidFill>
+                        <a:srgbClr val="000000"/>
+                      </a:solidFill>
+                      <a:custDash/>
+                      <a:miter lim="0"/>
+                    </a:lnT>
+                    <a:lnB w="0">
+                      <a:solidFill>
+                        <a:srgbClr val="000000"/>
+                      </a:solidFill>
+                      <a:custDash/>
+                      <a:miter lim="0"/>
+                    </a:lnB>
+                  </a:tcPr>
                 </a:tc>
               </a:tr>
             </a:tbl>
@@ -1567,18 +1968,18 @@
       </p:graphicFrame>
       <p:graphicFrame>
         <p:nvGraphicFramePr>
-          <p:cNvPr id="12" name="Table 12"/>
+          <p:cNvPr id="11" name="Table 11"/>
           <p:cNvGraphicFramePr/>
           <p:nvPr/>
         </p:nvGraphicFramePr>
         <p:xfrm>
-          <a:off x="6946900" y="7201605"/>
+          <a:off x="8995833" y="7208660"/>
           <a:ext cx="2540001" cy="2438401"/>
         </p:xfrm>
         <a:graphic xmlns:a="http://schemas.openxmlformats.org/drawingml/2006/main">
           <a:graphicData uri="http://schemas.openxmlformats.org/drawingml/2006/table">
             <a:tbl>
-              <a:tblPr firstCol="0" firstRow="0" lastCol="0" lastRow="0" bandCol="0" bandRow="1" rtl="0">
+              <a:tblPr firstCol="0" firstRow="0" lastCol="0" lastRow="0" bandCol="0" bandRow="0" rtl="0">
                 <a:tableStyleId>{4C3C2611-4C71-4FC5-86AE-919BDF0F9419}</a:tableStyleId>
               </a:tblPr>
               <a:tblGrid>
@@ -1597,6 +1998,34 @@
                     </a:p>
                   </a:txBody>
                   <a:tcPr marL="63500" marR="63500" marT="25400" marB="25400" anchor="t" anchorCtr="0" horzOverflow="overflow">
+                    <a:lnL w="0">
+                      <a:solidFill>
+                        <a:srgbClr val="000000"/>
+                      </a:solidFill>
+                      <a:custDash/>
+                      <a:miter lim="0"/>
+                    </a:lnL>
+                    <a:lnR w="0">
+                      <a:solidFill>
+                        <a:srgbClr val="000000"/>
+                      </a:solidFill>
+                      <a:custDash/>
+                      <a:miter lim="0"/>
+                    </a:lnR>
+                    <a:lnT w="0">
+                      <a:solidFill>
+                        <a:srgbClr val="000000"/>
+                      </a:solidFill>
+                      <a:custDash/>
+                      <a:miter lim="0"/>
+                    </a:lnT>
+                    <a:lnB w="0">
+                      <a:solidFill>
+                        <a:srgbClr val="000000"/>
+                      </a:solidFill>
+                      <a:custDash/>
+                      <a:miter lim="0"/>
+                    </a:lnB>
                     <a:blipFill rotWithShape="1">
                       <a:blip r:embed="rId25"/>
                       <a:srcRect l="0" t="0" r="0" b="0"/>
@@ -1666,7 +2095,36 @@
                       </a:r>
                     </a:p>
                   </a:txBody>
-                  <a:tcPr marL="63500" marR="63500" marT="25400" marB="25400" anchor="t" anchorCtr="0" horzOverflow="overflow"/>
+                  <a:tcPr marL="63500" marR="63500" marT="25400" marB="25400" anchor="t" anchorCtr="0" horzOverflow="overflow">
+                    <a:lnL w="0">
+                      <a:solidFill>
+                        <a:srgbClr val="000000"/>
+                      </a:solidFill>
+                      <a:custDash/>
+                      <a:miter lim="0"/>
+                    </a:lnL>
+                    <a:lnR w="0">
+                      <a:solidFill>
+                        <a:srgbClr val="000000"/>
+                      </a:solidFill>
+                      <a:custDash/>
+                      <a:miter lim="0"/>
+                    </a:lnR>
+                    <a:lnT w="0">
+                      <a:solidFill>
+                        <a:srgbClr val="000000"/>
+                      </a:solidFill>
+                      <a:custDash/>
+                      <a:miter lim="0"/>
+                    </a:lnT>
+                    <a:lnB w="0">
+                      <a:solidFill>
+                        <a:srgbClr val="000000"/>
+                      </a:solidFill>
+                      <a:custDash/>
+                      <a:miter lim="0"/>
+                    </a:lnB>
+                  </a:tcPr>
                 </a:tc>
               </a:tr>
               <a:tr h="1219200">
@@ -1681,6 +2139,34 @@
                     </a:p>
                   </a:txBody>
                   <a:tcPr marL="63500" marR="63500" marT="25400" marB="25400" anchor="t" anchorCtr="0" horzOverflow="overflow">
+                    <a:lnL w="0">
+                      <a:solidFill>
+                        <a:srgbClr val="000000"/>
+                      </a:solidFill>
+                      <a:custDash/>
+                      <a:miter lim="0"/>
+                    </a:lnL>
+                    <a:lnR w="0">
+                      <a:solidFill>
+                        <a:srgbClr val="000000"/>
+                      </a:solidFill>
+                      <a:custDash/>
+                      <a:miter lim="0"/>
+                    </a:lnR>
+                    <a:lnT w="0">
+                      <a:solidFill>
+                        <a:srgbClr val="000000"/>
+                      </a:solidFill>
+                      <a:custDash/>
+                      <a:miter lim="0"/>
+                    </a:lnT>
+                    <a:lnB w="0">
+                      <a:solidFill>
+                        <a:srgbClr val="000000"/>
+                      </a:solidFill>
+                      <a:custDash/>
+                      <a:miter lim="0"/>
+                    </a:lnB>
                     <a:blipFill rotWithShape="1">
                       <a:blip r:embed="rId27"/>
                       <a:srcRect l="0" t="0" r="0" b="0"/>
@@ -1749,7 +2235,36 @@
                       </a:r>
                     </a:p>
                   </a:txBody>
-                  <a:tcPr marL="63500" marR="63500" marT="25400" marB="25400" anchor="t" anchorCtr="0" horzOverflow="overflow"/>
+                  <a:tcPr marL="63500" marR="63500" marT="25400" marB="25400" anchor="t" anchorCtr="0" horzOverflow="overflow">
+                    <a:lnL w="0">
+                      <a:solidFill>
+                        <a:srgbClr val="000000"/>
+                      </a:solidFill>
+                      <a:custDash/>
+                      <a:miter lim="0"/>
+                    </a:lnL>
+                    <a:lnR w="0">
+                      <a:solidFill>
+                        <a:srgbClr val="000000"/>
+                      </a:solidFill>
+                      <a:custDash/>
+                      <a:miter lim="0"/>
+                    </a:lnR>
+                    <a:lnT w="0">
+                      <a:solidFill>
+                        <a:srgbClr val="000000"/>
+                      </a:solidFill>
+                      <a:custDash/>
+                      <a:miter lim="0"/>
+                    </a:lnT>
+                    <a:lnB w="0">
+                      <a:solidFill>
+                        <a:srgbClr val="000000"/>
+                      </a:solidFill>
+                      <a:custDash/>
+                      <a:miter lim="0"/>
+                    </a:lnB>
+                  </a:tcPr>
                 </a:tc>
               </a:tr>
             </a:tbl>
@@ -1758,13 +2273,13 @@
       </p:graphicFrame>
       <p:sp>
         <p:nvSpPr>
-          <p:cNvPr id="13" name="Shape 13"/>
+          <p:cNvPr id="12" name="Shape 12"/>
           <p:cNvSpPr/>
           <p:nvPr/>
         </p:nvSpPr>
         <p:spPr>
           <a:xfrm>
-            <a:off x="6946900" y="87488"/>
+            <a:off x="8995833" y="87488"/>
             <a:ext cx="2382523" cy="572912"/>
           </a:xfrm>
           <a:prstGeom prst="rect">
@@ -1801,13 +2316,13 @@
       </p:sp>
       <p:sp>
         <p:nvSpPr>
-          <p:cNvPr id="14" name="Shape 14"/>
+          <p:cNvPr id="13" name="Shape 13"/>
           <p:cNvSpPr/>
           <p:nvPr/>
         </p:nvSpPr>
         <p:spPr>
           <a:xfrm>
-            <a:off x="6946900" y="6869994"/>
+            <a:off x="8995833" y="6877049"/>
             <a:ext cx="2382523" cy="331612"/>
           </a:xfrm>
           <a:prstGeom prst="rect">
@@ -1844,13 +2359,13 @@
       </p:sp>
       <p:sp>
         <p:nvSpPr>
-          <p:cNvPr id="15" name="Shape 15"/>
+          <p:cNvPr id="14" name="Shape 14"/>
           <p:cNvSpPr/>
           <p:nvPr/>
         </p:nvSpPr>
         <p:spPr>
           <a:xfrm>
-            <a:off x="545542" y="3131255"/>
+            <a:off x="539846" y="2794000"/>
             <a:ext cx="2310374" cy="611012"/>
           </a:xfrm>
           <a:prstGeom prst="rect">
@@ -1877,6 +2392,184 @@
             <a:r>
               <a:rPr sz="3400"/>
               <a:t>User Guide</a:t>
+            </a:r>
+          </a:p>
+        </p:txBody>
+      </p:sp>
+      <p:pic>
+        <p:nvPicPr>
+          <p:cNvPr id="15" name="DHAwards2014-tool.png"/>
+          <p:cNvPicPr/>
+          <p:nvPr/>
+        </p:nvPicPr>
+        <p:blipFill>
+          <a:blip r:embed="rId28">
+            <a:extLst/>
+          </a:blip>
+          <a:stretch>
+            <a:fillRect/>
+          </a:stretch>
+        </p:blipFill>
+        <p:spPr>
+          <a:xfrm>
+            <a:off x="4851400" y="8703354"/>
+            <a:ext cx="3302000" cy="825501"/>
+          </a:xfrm>
+          <a:prstGeom prst="rect">
+            <a:avLst/>
+          </a:prstGeom>
+          <a:ln w="3175">
+            <a:miter lim="400000"/>
+          </a:ln>
+        </p:spPr>
+      </p:pic>
+      <p:sp>
+        <p:nvSpPr>
+          <p:cNvPr id="16" name="Shape 16"/>
+          <p:cNvSpPr/>
+          <p:nvPr/>
+        </p:nvSpPr>
+        <p:spPr>
+          <a:xfrm>
+            <a:off x="647700" y="8327344"/>
+            <a:ext cx="4405039" cy="1201512"/>
+          </a:xfrm>
+          <a:prstGeom prst="rect">
+            <a:avLst/>
+          </a:prstGeom>
+          <a:ln w="3175">
+            <a:miter lim="400000"/>
+          </a:ln>
+          <a:extLst>
+            <a:ext uri="{C572A759-6A51-4108-AA02-DFA0A04FC94B}">
+              <ma14:wrappingTextBoxFlag xmlns:ma14="http://schemas.microsoft.com/office/mac/drawingml/2011/main" val="1"/>
+            </a:ext>
+          </a:extLst>
+        </p:spPr>
+        <p:txBody>
+          <a:bodyPr lIns="45155" tIns="45155" rIns="45155" bIns="45155" anchor="ctr">
+            <a:spAutoFit/>
+          </a:bodyPr>
+          <a:lstStyle/>
+          <a:p>
+            <a:pPr lvl="0" algn="l" defTabSz="457200">
+              <a:defRPr sz="1800"/>
+            </a:pPr>
+            <a:r>
+              <a:rPr>
+                <a:solidFill>
+                  <a:srgbClr val="323333"/>
+                </a:solidFill>
+                <a:latin typeface="Helvetica Neue"/>
+                <a:ea typeface="Helvetica Neue"/>
+                <a:cs typeface="Helvetica Neue"/>
+                <a:sym typeface="Helvetica Neue"/>
+              </a:rPr>
+              <a:t>System for HEBrew Text: </a:t>
+            </a:r>
+            <a:endParaRPr>
+              <a:solidFill>
+                <a:srgbClr val="323333"/>
+              </a:solidFill>
+              <a:latin typeface="Helvetica Neue"/>
+              <a:ea typeface="Helvetica Neue"/>
+              <a:cs typeface="Helvetica Neue"/>
+              <a:sym typeface="Helvetica Neue"/>
+            </a:endParaRPr>
+          </a:p>
+          <a:p>
+            <a:pPr lvl="0" algn="l" defTabSz="457200">
+              <a:defRPr sz="1800"/>
+            </a:pPr>
+            <a:r>
+              <a:rPr>
+                <a:solidFill>
+                  <a:srgbClr val="323333"/>
+                </a:solidFill>
+                <a:latin typeface="Helvetica Neue"/>
+                <a:ea typeface="Helvetica Neue"/>
+                <a:cs typeface="Helvetica Neue"/>
+                <a:sym typeface="Helvetica Neue"/>
+              </a:rPr>
+              <a:t>ANnotations for Queries and Markup </a:t>
+            </a:r>
+            <a:endParaRPr>
+              <a:solidFill>
+                <a:srgbClr val="323333"/>
+              </a:solidFill>
+              <a:latin typeface="Helvetica Neue"/>
+              <a:ea typeface="Helvetica Neue"/>
+              <a:cs typeface="Helvetica Neue"/>
+              <a:sym typeface="Helvetica Neue"/>
+            </a:endParaRPr>
+          </a:p>
+          <a:p>
+            <a:pPr lvl="0" algn="l" defTabSz="457200">
+              <a:defRPr sz="1800"/>
+            </a:pPr>
+            <a:r>
+              <a:rPr>
+                <a:solidFill>
+                  <a:srgbClr val="323333"/>
+                </a:solidFill>
+                <a:latin typeface="Helvetica Neue"/>
+                <a:ea typeface="Helvetica Neue"/>
+                <a:cs typeface="Helvetica Neue"/>
+                <a:sym typeface="Helvetica Neue"/>
+              </a:rPr>
+              <a:t>funded by</a:t>
+            </a:r>
+            <a:endParaRPr>
+              <a:solidFill>
+                <a:srgbClr val="323333"/>
+              </a:solidFill>
+              <a:latin typeface="Helvetica Neue"/>
+              <a:ea typeface="Helvetica Neue"/>
+              <a:cs typeface="Helvetica Neue"/>
+              <a:sym typeface="Helvetica Neue"/>
+            </a:endParaRPr>
+          </a:p>
+          <a:p>
+            <a:pPr lvl="0" algn="l" defTabSz="457200">
+              <a:defRPr sz="1800"/>
+            </a:pPr>
+            <a:r>
+              <a:rPr>
+                <a:solidFill>
+                  <a:srgbClr val="0088CC"/>
+                </a:solidFill>
+                <a:latin typeface="Helvetica Neue"/>
+                <a:ea typeface="Helvetica Neue"/>
+                <a:cs typeface="Helvetica Neue"/>
+                <a:sym typeface="Helvetica Neue"/>
+                <a:hlinkClick r:id="rId29" invalidUrl="" action="" tgtFrame="" tooltip="" history="1" highlightClick="0" endSnd="0"/>
+              </a:rPr>
+              <a:t>CLARIN-NL</a:t>
+            </a:r>
+            <a:r>
+              <a:rPr>
+                <a:solidFill>
+                  <a:srgbClr val="323333"/>
+                </a:solidFill>
+                <a:latin typeface="Helvetica Neue"/>
+                <a:ea typeface="Helvetica Neue"/>
+                <a:cs typeface="Helvetica Neue"/>
+                <a:sym typeface="Helvetica Neue"/>
+              </a:rPr>
+              <a:t>, </a:t>
+            </a:r>
+            <a:r>
+              <a:rPr>
+                <a:solidFill>
+                  <a:srgbClr val="0088CC"/>
+                </a:solidFill>
+                <a:latin typeface="Helvetica Neue"/>
+                <a:ea typeface="Helvetica Neue"/>
+                <a:cs typeface="Helvetica Neue"/>
+                <a:sym typeface="Helvetica Neue"/>
+                <a:hlinkClick r:id="rId30" invalidUrl="" action="" tgtFrame="" tooltip="" history="1" highlightClick="0" endSnd="0"/>
+              </a:rPr>
+              <a:t>The Language Archive</a:t>
             </a:r>
           </a:p>
         </p:txBody>
@@ -1909,7 +2602,7 @@
       </p:grpSpPr>
       <p:pic>
         <p:nvPicPr>
-          <p:cNvPr id="237" name="pasted-image.png"/>
+          <p:cNvPr id="238" name="pasted-image.png"/>
           <p:cNvPicPr/>
           <p:nvPr/>
         </p:nvPicPr>
@@ -1936,7 +2629,7 @@
       </p:pic>
       <p:pic>
         <p:nvPicPr>
-          <p:cNvPr id="238" name="pasted-image.png"/>
+          <p:cNvPr id="239" name="pasted-image.png"/>
           <p:cNvPicPr/>
           <p:nvPr/>
         </p:nvPicPr>
@@ -1963,7 +2656,7 @@
       </p:pic>
       <p:pic>
         <p:nvPicPr>
-          <p:cNvPr id="239" name="pasted-image.png"/>
+          <p:cNvPr id="240" name="pasted-image.png"/>
           <p:cNvPicPr/>
           <p:nvPr/>
         </p:nvPicPr>
@@ -1990,7 +2683,7 @@
       </p:pic>
       <p:sp>
         <p:nvSpPr>
-          <p:cNvPr id="240" name="Shape 240"/>
+          <p:cNvPr id="241" name="Shape 241"/>
           <p:cNvSpPr/>
           <p:nvPr/>
         </p:nvSpPr>
@@ -2131,7 +2824,7 @@
       </p:sp>
       <p:sp>
         <p:nvSpPr>
-          <p:cNvPr id="241" name="Shape 241"/>
+          <p:cNvPr id="242" name="Shape 242"/>
           <p:cNvSpPr/>
           <p:nvPr/>
         </p:nvSpPr>
@@ -2236,7 +2929,7 @@
       </p:sp>
       <p:pic>
         <p:nvPicPr>
-          <p:cNvPr id="248" name=""/>
+          <p:cNvPr id="249" name=""/>
           <p:cNvPicPr/>
           <p:nvPr/>
         </p:nvPicPr>
@@ -2260,7 +2953,7 @@
       </p:pic>
       <p:pic>
         <p:nvPicPr>
-          <p:cNvPr id="250" name=""/>
+          <p:cNvPr id="251" name=""/>
           <p:cNvPicPr/>
           <p:nvPr/>
         </p:nvPicPr>
@@ -2284,7 +2977,7 @@
       </p:pic>
       <p:sp>
         <p:nvSpPr>
-          <p:cNvPr id="244" name="Shape 244"/>
+          <p:cNvPr id="245" name="Shape 245"/>
           <p:cNvSpPr/>
           <p:nvPr/>
         </p:nvSpPr>
@@ -2365,7 +3058,7 @@
       </p:sp>
       <p:pic>
         <p:nvPicPr>
-          <p:cNvPr id="252" name=""/>
+          <p:cNvPr id="253" name=""/>
           <p:cNvPicPr/>
           <p:nvPr/>
         </p:nvPicPr>
@@ -2389,7 +3082,7 @@
       </p:pic>
       <p:sp>
         <p:nvSpPr>
-          <p:cNvPr id="246" name="Shape 246"/>
+          <p:cNvPr id="247" name="Shape 247"/>
           <p:cNvSpPr/>
           <p:nvPr/>
         </p:nvSpPr>
@@ -2470,7 +3163,7 @@
       </p:sp>
       <p:pic>
         <p:nvPicPr>
-          <p:cNvPr id="254" name=""/>
+          <p:cNvPr id="255" name=""/>
           <p:cNvPicPr/>
           <p:nvPr/>
         </p:nvPicPr>
@@ -2520,7 +3213,7 @@
       </p:grpSpPr>
       <p:pic>
         <p:nvPicPr>
-          <p:cNvPr id="257" name="pasted-image.png"/>
+          <p:cNvPr id="258" name="pasted-image.png"/>
           <p:cNvPicPr/>
           <p:nvPr/>
         </p:nvPicPr>
@@ -2547,7 +3240,7 @@
       </p:pic>
       <p:pic>
         <p:nvPicPr>
-          <p:cNvPr id="276" name=""/>
+          <p:cNvPr id="277" name=""/>
           <p:cNvPicPr/>
           <p:nvPr/>
         </p:nvPicPr>
@@ -2571,7 +3264,7 @@
       </p:pic>
       <p:sp>
         <p:nvSpPr>
-          <p:cNvPr id="259" name="Shape 259"/>
+          <p:cNvPr id="260" name="Shape 260"/>
           <p:cNvSpPr/>
           <p:nvPr/>
         </p:nvSpPr>
@@ -2640,7 +3333,7 @@
       </p:sp>
       <p:sp>
         <p:nvSpPr>
-          <p:cNvPr id="260" name="Shape 260"/>
+          <p:cNvPr id="261" name="Shape 261"/>
           <p:cNvSpPr/>
           <p:nvPr/>
         </p:nvSpPr>
@@ -2745,7 +3438,7 @@
       </p:sp>
       <p:pic>
         <p:nvPicPr>
-          <p:cNvPr id="278" name=""/>
+          <p:cNvPr id="279" name=""/>
           <p:cNvPicPr/>
           <p:nvPr/>
         </p:nvPicPr>
@@ -2769,7 +3462,7 @@
       </p:pic>
       <p:sp>
         <p:nvSpPr>
-          <p:cNvPr id="262" name="Shape 262"/>
+          <p:cNvPr id="263" name="Shape 263"/>
           <p:cNvSpPr/>
           <p:nvPr/>
         </p:nvSpPr>
@@ -2850,7 +3543,7 @@
       </p:sp>
       <p:pic>
         <p:nvPicPr>
-          <p:cNvPr id="280" name=""/>
+          <p:cNvPr id="281" name=""/>
           <p:cNvPicPr/>
           <p:nvPr/>
         </p:nvPicPr>
@@ -2874,7 +3567,7 @@
       </p:pic>
       <p:sp>
         <p:nvSpPr>
-          <p:cNvPr id="264" name="Shape 264"/>
+          <p:cNvPr id="265" name="Shape 265"/>
           <p:cNvSpPr/>
           <p:nvPr/>
         </p:nvSpPr>
@@ -2979,7 +3672,7 @@
       </p:sp>
       <p:pic>
         <p:nvPicPr>
-          <p:cNvPr id="282" name=""/>
+          <p:cNvPr id="283" name=""/>
           <p:cNvPicPr/>
           <p:nvPr/>
         </p:nvPicPr>
@@ -3003,7 +3696,7 @@
       </p:pic>
       <p:pic>
         <p:nvPicPr>
-          <p:cNvPr id="284" name=""/>
+          <p:cNvPr id="285" name=""/>
           <p:cNvPicPr/>
           <p:nvPr/>
         </p:nvPicPr>
@@ -3027,7 +3720,7 @@
       </p:pic>
       <p:sp>
         <p:nvSpPr>
-          <p:cNvPr id="267" name="Shape 267"/>
+          <p:cNvPr id="268" name="Shape 268"/>
           <p:cNvSpPr/>
           <p:nvPr/>
         </p:nvSpPr>
@@ -3108,7 +3801,7 @@
       </p:sp>
       <p:pic>
         <p:nvPicPr>
-          <p:cNvPr id="286" name=""/>
+          <p:cNvPr id="287" name=""/>
           <p:cNvPicPr/>
           <p:nvPr/>
         </p:nvPicPr>
@@ -3132,7 +3825,7 @@
       </p:pic>
       <p:sp>
         <p:nvSpPr>
-          <p:cNvPr id="269" name="Shape 269"/>
+          <p:cNvPr id="270" name="Shape 270"/>
           <p:cNvSpPr/>
           <p:nvPr/>
         </p:nvSpPr>
@@ -3225,7 +3918,7 @@
       </p:sp>
       <p:pic>
         <p:nvPicPr>
-          <p:cNvPr id="288" name=""/>
+          <p:cNvPr id="289" name=""/>
           <p:cNvPicPr/>
           <p:nvPr/>
         </p:nvPicPr>
@@ -3249,7 +3942,7 @@
       </p:pic>
       <p:pic>
         <p:nvPicPr>
-          <p:cNvPr id="290" name=""/>
+          <p:cNvPr id="291" name=""/>
           <p:cNvPicPr/>
           <p:nvPr/>
         </p:nvPicPr>
@@ -3273,7 +3966,7 @@
       </p:pic>
       <p:sp>
         <p:nvSpPr>
-          <p:cNvPr id="272" name="Shape 272"/>
+          <p:cNvPr id="273" name="Shape 273"/>
           <p:cNvSpPr/>
           <p:nvPr/>
         </p:nvSpPr>
@@ -3354,7 +4047,7 @@
       </p:sp>
       <p:pic>
         <p:nvPicPr>
-          <p:cNvPr id="292" name=""/>
+          <p:cNvPr id="293" name=""/>
           <p:cNvPicPr/>
           <p:nvPr/>
         </p:nvPicPr>
@@ -3378,7 +4071,7 @@
       </p:pic>
       <p:pic>
         <p:nvPicPr>
-          <p:cNvPr id="294" name=""/>
+          <p:cNvPr id="295" name=""/>
           <p:cNvPicPr/>
           <p:nvPr/>
         </p:nvPicPr>
@@ -3402,7 +4095,7 @@
       </p:pic>
       <p:sp>
         <p:nvSpPr>
-          <p:cNvPr id="275" name="Shape 275"/>
+          <p:cNvPr id="276" name="Shape 276"/>
           <p:cNvSpPr/>
           <p:nvPr/>
         </p:nvSpPr>
@@ -3509,7 +4202,7 @@
       </p:grpSpPr>
       <p:pic>
         <p:nvPicPr>
-          <p:cNvPr id="297" name="pasted-image.png"/>
+          <p:cNvPr id="298" name="pasted-image.png"/>
           <p:cNvPicPr/>
           <p:nvPr/>
         </p:nvPicPr>
@@ -3536,7 +4229,7 @@
       </p:pic>
       <p:sp>
         <p:nvSpPr>
-          <p:cNvPr id="298" name="Shape 298"/>
+          <p:cNvPr id="299" name="Shape 299"/>
           <p:cNvSpPr/>
           <p:nvPr/>
         </p:nvSpPr>
@@ -3617,7 +4310,7 @@
       </p:sp>
       <p:sp>
         <p:nvSpPr>
-          <p:cNvPr id="299" name="Shape 299"/>
+          <p:cNvPr id="300" name="Shape 300"/>
           <p:cNvSpPr/>
           <p:nvPr/>
         </p:nvSpPr>
@@ -3686,7 +4379,7 @@
       </p:sp>
       <p:pic>
         <p:nvPicPr>
-          <p:cNvPr id="319" name=""/>
+          <p:cNvPr id="320" name=""/>
           <p:cNvPicPr/>
           <p:nvPr/>
         </p:nvPicPr>
@@ -3710,7 +4403,7 @@
       </p:pic>
       <p:sp>
         <p:nvSpPr>
-          <p:cNvPr id="301" name="Shape 301"/>
+          <p:cNvPr id="302" name="Shape 302"/>
           <p:cNvSpPr/>
           <p:nvPr/>
         </p:nvSpPr>
@@ -3851,7 +4544,7 @@
       </p:sp>
       <p:pic>
         <p:nvPicPr>
-          <p:cNvPr id="321" name=""/>
+          <p:cNvPr id="322" name=""/>
           <p:cNvPicPr/>
           <p:nvPr/>
         </p:nvPicPr>
@@ -3875,14 +4568,14 @@
       </p:pic>
       <p:sp>
         <p:nvSpPr>
-          <p:cNvPr id="303" name="Shape 303"/>
+          <p:cNvPr id="304" name="Shape 304"/>
           <p:cNvSpPr/>
           <p:nvPr/>
         </p:nvSpPr>
         <p:spPr>
           <a:xfrm>
-            <a:off x="143933" y="3086099"/>
-            <a:ext cx="1803232" cy="1790701"/>
+            <a:off x="143933" y="3086100"/>
+            <a:ext cx="1803232" cy="1790700"/>
           </a:xfrm>
           <a:prstGeom prst="roundRect">
             <a:avLst>
@@ -3944,14 +4637,14 @@
       </p:sp>
       <p:sp>
         <p:nvSpPr>
-          <p:cNvPr id="304" name="Shape 304"/>
+          <p:cNvPr id="305" name="Shape 305"/>
           <p:cNvSpPr/>
           <p:nvPr/>
         </p:nvSpPr>
         <p:spPr>
           <a:xfrm>
             <a:off x="3659337" y="6706126"/>
-            <a:ext cx="3300017" cy="913348"/>
+            <a:ext cx="3300017" cy="913347"/>
           </a:xfrm>
           <a:prstGeom prst="roundRect">
             <a:avLst>
@@ -4013,7 +4706,7 @@
       </p:sp>
       <p:pic>
         <p:nvPicPr>
-          <p:cNvPr id="323" name=""/>
+          <p:cNvPr id="324" name=""/>
           <p:cNvPicPr/>
           <p:nvPr/>
         </p:nvPicPr>
@@ -4037,7 +4730,7 @@
       </p:pic>
       <p:sp>
         <p:nvSpPr>
-          <p:cNvPr id="306" name="Shape 306"/>
+          <p:cNvPr id="307" name="Shape 307"/>
           <p:cNvSpPr/>
           <p:nvPr/>
         </p:nvSpPr>
@@ -4118,7 +4811,7 @@
       </p:sp>
       <p:pic>
         <p:nvPicPr>
-          <p:cNvPr id="325" name=""/>
+          <p:cNvPr id="326" name=""/>
           <p:cNvPicPr/>
           <p:nvPr/>
         </p:nvPicPr>
@@ -4133,7 +4826,7 @@
         <p:spPr>
           <a:xfrm>
             <a:off x="11229569" y="1047821"/>
-            <a:ext cx="1061947" cy="6550022"/>
+            <a:ext cx="1061947" cy="6550021"/>
           </a:xfrm>
           <a:prstGeom prst="rect">
             <a:avLst/>
@@ -4142,7 +4835,7 @@
       </p:pic>
       <p:pic>
         <p:nvPicPr>
-          <p:cNvPr id="308" name="pasted-image.png"/>
+          <p:cNvPr id="309" name="pasted-image.png"/>
           <p:cNvPicPr/>
           <p:nvPr/>
         </p:nvPicPr>
@@ -4156,7 +4849,7 @@
         </p:blipFill>
         <p:spPr>
           <a:xfrm>
-            <a:off x="6959353" y="4452103"/>
+            <a:off x="6959352" y="4452103"/>
             <a:ext cx="3581401" cy="1790701"/>
           </a:xfrm>
           <a:prstGeom prst="rect">
@@ -4169,7 +4862,7 @@
       </p:pic>
       <p:sp>
         <p:nvSpPr>
-          <p:cNvPr id="309" name="Shape 309"/>
+          <p:cNvPr id="310" name="Shape 310"/>
           <p:cNvSpPr/>
           <p:nvPr/>
         </p:nvSpPr>
@@ -4274,7 +4967,7 @@
       </p:sp>
       <p:pic>
         <p:nvPicPr>
-          <p:cNvPr id="327" name=""/>
+          <p:cNvPr id="328" name=""/>
           <p:cNvPicPr/>
           <p:nvPr/>
         </p:nvPicPr>
@@ -4298,7 +4991,7 @@
       </p:pic>
       <p:pic>
         <p:nvPicPr>
-          <p:cNvPr id="329" name=""/>
+          <p:cNvPr id="330" name=""/>
           <p:cNvPicPr/>
           <p:nvPr/>
         </p:nvPicPr>
@@ -4322,7 +5015,7 @@
       </p:pic>
       <p:sp>
         <p:nvSpPr>
-          <p:cNvPr id="312" name="Shape 312"/>
+          <p:cNvPr id="313" name="Shape 313"/>
           <p:cNvSpPr/>
           <p:nvPr/>
         </p:nvSpPr>
@@ -4403,7 +5096,7 @@
       </p:sp>
       <p:pic>
         <p:nvPicPr>
-          <p:cNvPr id="331" name=""/>
+          <p:cNvPr id="332" name=""/>
           <p:cNvPicPr/>
           <p:nvPr/>
         </p:nvPicPr>
@@ -4418,7 +5111,7 @@
         <p:spPr>
           <a:xfrm>
             <a:off x="3519589" y="2931951"/>
-            <a:ext cx="1526119" cy="545162"/>
+            <a:ext cx="1526119" cy="545161"/>
           </a:xfrm>
           <a:prstGeom prst="rect">
             <a:avLst/>
@@ -4427,7 +5120,7 @@
       </p:pic>
       <p:sp>
         <p:nvSpPr>
-          <p:cNvPr id="314" name="Shape 314"/>
+          <p:cNvPr id="315" name="Shape 315"/>
           <p:cNvSpPr/>
           <p:nvPr/>
         </p:nvSpPr>
@@ -4496,7 +5189,7 @@
       </p:sp>
       <p:pic>
         <p:nvPicPr>
-          <p:cNvPr id="333" name=""/>
+          <p:cNvPr id="334" name=""/>
           <p:cNvPicPr/>
           <p:nvPr/>
         </p:nvPicPr>
@@ -4520,7 +5213,7 @@
       </p:pic>
       <p:pic>
         <p:nvPicPr>
-          <p:cNvPr id="335" name=""/>
+          <p:cNvPr id="336" name=""/>
           <p:cNvPicPr/>
           <p:nvPr/>
         </p:nvPicPr>
@@ -4544,7 +5237,7 @@
       </p:pic>
       <p:pic>
         <p:nvPicPr>
-          <p:cNvPr id="337" name=""/>
+          <p:cNvPr id="338" name=""/>
           <p:cNvPicPr/>
           <p:nvPr/>
         </p:nvPicPr>
@@ -4568,7 +5261,7 @@
       </p:pic>
       <p:sp>
         <p:nvSpPr>
-          <p:cNvPr id="318" name="Shape 318"/>
+          <p:cNvPr id="319" name="Shape 319"/>
           <p:cNvSpPr/>
           <p:nvPr/>
         </p:nvSpPr>
@@ -4663,7 +5356,7 @@
       </p:grpSpPr>
       <p:sp>
         <p:nvSpPr>
-          <p:cNvPr id="340" name="Shape 340"/>
+          <p:cNvPr id="341" name="Shape 341"/>
           <p:cNvSpPr/>
           <p:nvPr/>
         </p:nvSpPr>
@@ -4744,7 +5437,7 @@
       </p:sp>
       <p:pic>
         <p:nvPicPr>
-          <p:cNvPr id="341" name="pasted-image.png"/>
+          <p:cNvPr id="342" name="pasted-image.png"/>
           <p:cNvPicPr/>
           <p:nvPr/>
         </p:nvPicPr>
@@ -4771,7 +5464,7 @@
       </p:pic>
       <p:sp>
         <p:nvSpPr>
-          <p:cNvPr id="342" name="Shape 342"/>
+          <p:cNvPr id="343" name="Shape 343"/>
           <p:cNvSpPr/>
           <p:nvPr/>
         </p:nvSpPr>
@@ -4900,7 +5593,7 @@
       </p:sp>
       <p:sp>
         <p:nvSpPr>
-          <p:cNvPr id="343" name="Shape 343"/>
+          <p:cNvPr id="344" name="Shape 344"/>
           <p:cNvSpPr/>
           <p:nvPr/>
         </p:nvSpPr>
@@ -4969,7 +5662,7 @@
       </p:sp>
       <p:pic>
         <p:nvPicPr>
-          <p:cNvPr id="355" name=""/>
+          <p:cNvPr id="356" name=""/>
           <p:cNvPicPr/>
           <p:nvPr/>
         </p:nvPicPr>
@@ -4993,7 +5686,7 @@
       </p:pic>
       <p:pic>
         <p:nvPicPr>
-          <p:cNvPr id="357" name=""/>
+          <p:cNvPr id="358" name=""/>
           <p:cNvPicPr/>
           <p:nvPr/>
         </p:nvPicPr>
@@ -5017,7 +5710,7 @@
       </p:pic>
       <p:pic>
         <p:nvPicPr>
-          <p:cNvPr id="359" name=""/>
+          <p:cNvPr id="360" name=""/>
           <p:cNvPicPr/>
           <p:nvPr/>
         </p:nvPicPr>
@@ -5041,7 +5734,7 @@
       </p:pic>
       <p:sp>
         <p:nvSpPr>
-          <p:cNvPr id="347" name="Shape 347"/>
+          <p:cNvPr id="348" name="Shape 348"/>
           <p:cNvSpPr/>
           <p:nvPr/>
         </p:nvSpPr>
@@ -5110,7 +5803,7 @@
       </p:sp>
       <p:pic>
         <p:nvPicPr>
-          <p:cNvPr id="361" name=""/>
+          <p:cNvPr id="362" name=""/>
           <p:cNvPicPr/>
           <p:nvPr/>
         </p:nvPicPr>
@@ -5134,7 +5827,7 @@
       </p:pic>
       <p:sp>
         <p:nvSpPr>
-          <p:cNvPr id="349" name="Shape 349"/>
+          <p:cNvPr id="350" name="Shape 350"/>
           <p:cNvSpPr/>
           <p:nvPr/>
         </p:nvSpPr>
@@ -5251,7 +5944,7 @@
       </p:sp>
       <p:sp>
         <p:nvSpPr>
-          <p:cNvPr id="350" name="Shape 350"/>
+          <p:cNvPr id="351" name="Shape 351"/>
           <p:cNvSpPr/>
           <p:nvPr/>
         </p:nvSpPr>
@@ -5320,7 +6013,7 @@
       </p:sp>
       <p:pic>
         <p:nvPicPr>
-          <p:cNvPr id="363" name=""/>
+          <p:cNvPr id="364" name=""/>
           <p:cNvPicPr/>
           <p:nvPr/>
         </p:nvPicPr>
@@ -5344,7 +6037,7 @@
       </p:pic>
       <p:sp>
         <p:nvSpPr>
-          <p:cNvPr id="352" name="Shape 352"/>
+          <p:cNvPr id="353" name="Shape 353"/>
           <p:cNvSpPr/>
           <p:nvPr/>
         </p:nvSpPr>
@@ -5425,7 +6118,7 @@
       </p:sp>
       <p:sp>
         <p:nvSpPr>
-          <p:cNvPr id="353" name="Shape 353"/>
+          <p:cNvPr id="354" name="Shape 354"/>
           <p:cNvSpPr/>
           <p:nvPr/>
         </p:nvSpPr>
@@ -5494,7 +6187,7 @@
       </p:sp>
       <p:sp>
         <p:nvSpPr>
-          <p:cNvPr id="354" name="Shape 354"/>
+          <p:cNvPr id="355" name="Shape 355"/>
           <p:cNvSpPr/>
           <p:nvPr/>
         </p:nvSpPr>
@@ -5589,7 +6282,7 @@
       </p:grpSpPr>
       <p:pic>
         <p:nvPicPr>
-          <p:cNvPr id="366" name="pasted-image.png"/>
+          <p:cNvPr id="367" name="pasted-image.png"/>
           <p:cNvPicPr/>
           <p:nvPr/>
         </p:nvPicPr>
@@ -5616,7 +6309,7 @@
       </p:pic>
       <p:pic>
         <p:nvPicPr>
-          <p:cNvPr id="383" name=""/>
+          <p:cNvPr id="384" name=""/>
           <p:cNvPicPr/>
           <p:nvPr/>
         </p:nvPicPr>
@@ -5640,7 +6333,7 @@
       </p:pic>
       <p:sp>
         <p:nvSpPr>
-          <p:cNvPr id="368" name="Shape 368"/>
+          <p:cNvPr id="369" name="Shape 369"/>
           <p:cNvSpPr/>
           <p:nvPr/>
         </p:nvSpPr>
@@ -5721,7 +6414,7 @@
       </p:sp>
       <p:sp>
         <p:nvSpPr>
-          <p:cNvPr id="369" name="Shape 369"/>
+          <p:cNvPr id="370" name="Shape 370"/>
           <p:cNvSpPr/>
           <p:nvPr/>
         </p:nvSpPr>
@@ -5826,7 +6519,7 @@
       </p:sp>
       <p:pic>
         <p:nvPicPr>
-          <p:cNvPr id="385" name=""/>
+          <p:cNvPr id="386" name=""/>
           <p:cNvPicPr/>
           <p:nvPr/>
         </p:nvPicPr>
@@ -5850,7 +6543,7 @@
       </p:pic>
       <p:sp>
         <p:nvSpPr>
-          <p:cNvPr id="371" name="Shape 371"/>
+          <p:cNvPr id="372" name="Shape 372"/>
           <p:cNvSpPr/>
           <p:nvPr/>
         </p:nvSpPr>
@@ -5931,7 +6624,7 @@
       </p:sp>
       <p:pic>
         <p:nvPicPr>
-          <p:cNvPr id="387" name=""/>
+          <p:cNvPr id="388" name=""/>
           <p:cNvPicPr/>
           <p:nvPr/>
         </p:nvPicPr>
@@ -5955,7 +6648,7 @@
       </p:pic>
       <p:sp>
         <p:nvSpPr>
-          <p:cNvPr id="373" name="Shape 373"/>
+          <p:cNvPr id="374" name="Shape 374"/>
           <p:cNvSpPr/>
           <p:nvPr/>
         </p:nvSpPr>
@@ -6060,7 +6753,7 @@
       </p:sp>
       <p:pic>
         <p:nvPicPr>
-          <p:cNvPr id="389" name=""/>
+          <p:cNvPr id="390" name=""/>
           <p:cNvPicPr/>
           <p:nvPr/>
         </p:nvPicPr>
@@ -6084,7 +6777,7 @@
       </p:pic>
       <p:pic>
         <p:nvPicPr>
-          <p:cNvPr id="391" name=""/>
+          <p:cNvPr id="392" name=""/>
           <p:cNvPicPr/>
           <p:nvPr/>
         </p:nvPicPr>
@@ -6108,7 +6801,7 @@
       </p:pic>
       <p:sp>
         <p:nvSpPr>
-          <p:cNvPr id="376" name="Shape 376"/>
+          <p:cNvPr id="377" name="Shape 377"/>
           <p:cNvSpPr/>
           <p:nvPr/>
         </p:nvSpPr>
@@ -6189,7 +6882,7 @@
       </p:sp>
       <p:pic>
         <p:nvPicPr>
-          <p:cNvPr id="393" name=""/>
+          <p:cNvPr id="394" name=""/>
           <p:cNvPicPr/>
           <p:nvPr/>
         </p:nvPicPr>
@@ -6213,7 +6906,7 @@
       </p:pic>
       <p:sp>
         <p:nvSpPr>
-          <p:cNvPr id="378" name="Shape 378"/>
+          <p:cNvPr id="379" name="Shape 379"/>
           <p:cNvSpPr/>
           <p:nvPr/>
         </p:nvSpPr>
@@ -6306,7 +6999,7 @@
       </p:sp>
       <p:pic>
         <p:nvPicPr>
-          <p:cNvPr id="395" name=""/>
+          <p:cNvPr id="396" name=""/>
           <p:cNvPicPr/>
           <p:nvPr/>
         </p:nvPicPr>
@@ -6330,7 +7023,7 @@
       </p:pic>
       <p:pic>
         <p:nvPicPr>
-          <p:cNvPr id="397" name=""/>
+          <p:cNvPr id="398" name=""/>
           <p:cNvPicPr/>
           <p:nvPr/>
         </p:nvPicPr>
@@ -6354,7 +7047,7 @@
       </p:pic>
       <p:sp>
         <p:nvSpPr>
-          <p:cNvPr id="381" name="Shape 381"/>
+          <p:cNvPr id="382" name="Shape 382"/>
           <p:cNvSpPr/>
           <p:nvPr/>
         </p:nvSpPr>
@@ -6435,7 +7128,7 @@
       </p:sp>
       <p:sp>
         <p:nvSpPr>
-          <p:cNvPr id="382" name="Shape 382"/>
+          <p:cNvPr id="383" name="Shape 383"/>
           <p:cNvSpPr/>
           <p:nvPr/>
         </p:nvSpPr>
@@ -6654,7 +7347,7 @@
       </p:grpSpPr>
       <p:pic>
         <p:nvPicPr>
-          <p:cNvPr id="400" name="pasted-image.png"/>
+          <p:cNvPr id="401" name="pasted-image.png"/>
           <p:cNvPicPr/>
           <p:nvPr/>
         </p:nvPicPr>
@@ -6681,7 +7374,7 @@
       </p:pic>
       <p:sp>
         <p:nvSpPr>
-          <p:cNvPr id="401" name="Shape 401"/>
+          <p:cNvPr id="402" name="Shape 402"/>
           <p:cNvSpPr/>
           <p:nvPr/>
         </p:nvSpPr>
@@ -6750,7 +7443,7 @@
       </p:sp>
       <p:pic>
         <p:nvPicPr>
-          <p:cNvPr id="430" name=""/>
+          <p:cNvPr id="431" name=""/>
           <p:cNvPicPr/>
           <p:nvPr/>
         </p:nvPicPr>
@@ -6774,7 +7467,7 @@
       </p:pic>
       <p:sp>
         <p:nvSpPr>
-          <p:cNvPr id="403" name="Shape 403"/>
+          <p:cNvPr id="404" name="Shape 404"/>
           <p:cNvSpPr/>
           <p:nvPr/>
         </p:nvSpPr>
@@ -6891,7 +7584,7 @@
       </p:sp>
       <p:pic>
         <p:nvPicPr>
-          <p:cNvPr id="432" name=""/>
+          <p:cNvPr id="433" name=""/>
           <p:cNvPicPr/>
           <p:nvPr/>
         </p:nvPicPr>
@@ -6915,7 +7608,7 @@
       </p:pic>
       <p:sp>
         <p:nvSpPr>
-          <p:cNvPr id="405" name="Shape 405"/>
+          <p:cNvPr id="406" name="Shape 406"/>
           <p:cNvSpPr/>
           <p:nvPr/>
         </p:nvSpPr>
@@ -6984,7 +7677,7 @@
       </p:sp>
       <p:pic>
         <p:nvPicPr>
-          <p:cNvPr id="434" name=""/>
+          <p:cNvPr id="435" name=""/>
           <p:cNvPicPr/>
           <p:nvPr/>
         </p:nvPicPr>
@@ -7008,7 +7701,7 @@
       </p:pic>
       <p:sp>
         <p:nvSpPr>
-          <p:cNvPr id="407" name="Shape 407"/>
+          <p:cNvPr id="408" name="Shape 408"/>
           <p:cNvSpPr/>
           <p:nvPr/>
         </p:nvSpPr>
@@ -7077,7 +7770,7 @@
       </p:sp>
       <p:pic>
         <p:nvPicPr>
-          <p:cNvPr id="436" name=""/>
+          <p:cNvPr id="437" name=""/>
           <p:cNvPicPr/>
           <p:nvPr/>
         </p:nvPicPr>
@@ -7101,7 +7794,7 @@
       </p:pic>
       <p:sp>
         <p:nvSpPr>
-          <p:cNvPr id="409" name="Shape 409"/>
+          <p:cNvPr id="410" name="Shape 410"/>
           <p:cNvSpPr/>
           <p:nvPr/>
         </p:nvSpPr>
@@ -7182,7 +7875,7 @@
       </p:sp>
       <p:pic>
         <p:nvPicPr>
-          <p:cNvPr id="438" name=""/>
+          <p:cNvPr id="439" name=""/>
           <p:cNvPicPr/>
           <p:nvPr/>
         </p:nvPicPr>
@@ -7206,7 +7899,7 @@
       </p:pic>
       <p:sp>
         <p:nvSpPr>
-          <p:cNvPr id="411" name="Shape 411"/>
+          <p:cNvPr id="412" name="Shape 412"/>
           <p:cNvSpPr/>
           <p:nvPr/>
         </p:nvSpPr>
@@ -7311,7 +8004,7 @@
       </p:sp>
       <p:pic>
         <p:nvPicPr>
-          <p:cNvPr id="440" name=""/>
+          <p:cNvPr id="441" name=""/>
           <p:cNvPicPr/>
           <p:nvPr/>
         </p:nvPicPr>
@@ -7335,7 +8028,7 @@
       </p:pic>
       <p:sp>
         <p:nvSpPr>
-          <p:cNvPr id="413" name="Shape 413"/>
+          <p:cNvPr id="414" name="Shape 414"/>
           <p:cNvSpPr/>
           <p:nvPr/>
         </p:nvSpPr>
@@ -7404,7 +8097,7 @@
       </p:sp>
       <p:pic>
         <p:nvPicPr>
-          <p:cNvPr id="442" name=""/>
+          <p:cNvPr id="443" name=""/>
           <p:cNvPicPr/>
           <p:nvPr/>
         </p:nvPicPr>
@@ -7428,7 +8121,7 @@
       </p:pic>
       <p:sp>
         <p:nvSpPr>
-          <p:cNvPr id="415" name="Shape 415"/>
+          <p:cNvPr id="416" name="Shape 416"/>
           <p:cNvSpPr/>
           <p:nvPr/>
         </p:nvSpPr>
@@ -7521,7 +8214,7 @@
       </p:sp>
       <p:pic>
         <p:nvPicPr>
-          <p:cNvPr id="444" name=""/>
+          <p:cNvPr id="445" name=""/>
           <p:cNvPicPr/>
           <p:nvPr/>
         </p:nvPicPr>
@@ -7545,7 +8238,7 @@
       </p:pic>
       <p:sp>
         <p:nvSpPr>
-          <p:cNvPr id="417" name="Shape 417"/>
+          <p:cNvPr id="418" name="Shape 418"/>
           <p:cNvSpPr/>
           <p:nvPr/>
         </p:nvSpPr>
@@ -7626,7 +8319,7 @@
       </p:sp>
       <p:sp>
         <p:nvSpPr>
-          <p:cNvPr id="418" name="Shape 418"/>
+          <p:cNvPr id="419" name="Shape 419"/>
           <p:cNvSpPr/>
           <p:nvPr/>
         </p:nvSpPr>
@@ -7719,7 +8412,7 @@
       </p:sp>
       <p:pic>
         <p:nvPicPr>
-          <p:cNvPr id="446" name=""/>
+          <p:cNvPr id="447" name=""/>
           <p:cNvPicPr/>
           <p:nvPr/>
         </p:nvPicPr>
@@ -7743,7 +8436,7 @@
       </p:pic>
       <p:pic>
         <p:nvPicPr>
-          <p:cNvPr id="420" name="pasted-image.png"/>
+          <p:cNvPr id="421" name="pasted-image.png"/>
           <p:cNvPicPr/>
           <p:nvPr/>
         </p:nvPicPr>
@@ -7770,7 +8463,7 @@
       </p:pic>
       <p:pic>
         <p:nvPicPr>
-          <p:cNvPr id="448" name=""/>
+          <p:cNvPr id="449" name=""/>
           <p:cNvPicPr/>
           <p:nvPr/>
         </p:nvPicPr>
@@ -7794,7 +8487,7 @@
       </p:pic>
       <p:sp>
         <p:nvSpPr>
-          <p:cNvPr id="422" name="Shape 422"/>
+          <p:cNvPr id="423" name="Shape 423"/>
           <p:cNvSpPr/>
           <p:nvPr/>
         </p:nvSpPr>
@@ -7888,7 +8581,7 @@
       </p:sp>
       <p:pic>
         <p:nvPicPr>
-          <p:cNvPr id="450" name=""/>
+          <p:cNvPr id="451" name=""/>
           <p:cNvPicPr/>
           <p:nvPr/>
         </p:nvPicPr>
@@ -7912,7 +8605,7 @@
       </p:pic>
       <p:sp>
         <p:nvSpPr>
-          <p:cNvPr id="424" name="Shape 424"/>
+          <p:cNvPr id="425" name="Shape 425"/>
           <p:cNvSpPr/>
           <p:nvPr/>
         </p:nvSpPr>
@@ -7981,7 +8674,7 @@
       </p:sp>
       <p:pic>
         <p:nvPicPr>
-          <p:cNvPr id="452" name=""/>
+          <p:cNvPr id="453" name=""/>
           <p:cNvPicPr/>
           <p:nvPr/>
         </p:nvPicPr>
@@ -8005,7 +8698,7 @@
       </p:pic>
       <p:sp>
         <p:nvSpPr>
-          <p:cNvPr id="426" name="Shape 426"/>
+          <p:cNvPr id="427" name="Shape 427"/>
           <p:cNvSpPr/>
           <p:nvPr/>
         </p:nvSpPr>
@@ -8074,7 +8767,7 @@
       </p:sp>
       <p:pic>
         <p:nvPicPr>
-          <p:cNvPr id="454" name=""/>
+          <p:cNvPr id="455" name=""/>
           <p:cNvPicPr/>
           <p:nvPr/>
         </p:nvPicPr>
@@ -8098,7 +8791,7 @@
       </p:pic>
       <p:sp>
         <p:nvSpPr>
-          <p:cNvPr id="428" name="Shape 428"/>
+          <p:cNvPr id="429" name="Shape 429"/>
           <p:cNvSpPr/>
           <p:nvPr/>
         </p:nvSpPr>
@@ -8167,7 +8860,7 @@
       </p:sp>
       <p:pic>
         <p:nvPicPr>
-          <p:cNvPr id="456" name=""/>
+          <p:cNvPr id="457" name=""/>
           <p:cNvPicPr/>
           <p:nvPr/>
         </p:nvPicPr>
@@ -8217,7 +8910,7 @@
       </p:grpSpPr>
       <p:pic>
         <p:nvPicPr>
-          <p:cNvPr id="459" name="pasted-image.png"/>
+          <p:cNvPr id="460" name="pasted-image.png"/>
           <p:cNvPicPr/>
           <p:nvPr/>
         </p:nvPicPr>
@@ -8244,7 +8937,7 @@
       </p:pic>
       <p:sp>
         <p:nvSpPr>
-          <p:cNvPr id="460" name="Shape 460"/>
+          <p:cNvPr id="461" name="Shape 461"/>
           <p:cNvSpPr/>
           <p:nvPr/>
         </p:nvSpPr>
@@ -8313,7 +9006,7 @@
       </p:sp>
       <p:sp>
         <p:nvSpPr>
-          <p:cNvPr id="461" name="Shape 461"/>
+          <p:cNvPr id="462" name="Shape 462"/>
           <p:cNvSpPr/>
           <p:nvPr/>
         </p:nvSpPr>
@@ -8382,7 +9075,7 @@
       </p:sp>
       <p:sp>
         <p:nvSpPr>
-          <p:cNvPr id="462" name="Shape 462"/>
+          <p:cNvPr id="463" name="Shape 463"/>
           <p:cNvSpPr/>
           <p:nvPr/>
         </p:nvSpPr>
@@ -8451,7 +9144,7 @@
       </p:sp>
       <p:pic>
         <p:nvPicPr>
-          <p:cNvPr id="476" name=""/>
+          <p:cNvPr id="477" name=""/>
           <p:cNvPicPr/>
           <p:nvPr/>
         </p:nvPicPr>
@@ -8475,7 +9168,7 @@
       </p:pic>
       <p:sp>
         <p:nvSpPr>
-          <p:cNvPr id="464" name="Shape 464"/>
+          <p:cNvPr id="465" name="Shape 465"/>
           <p:cNvSpPr/>
           <p:nvPr/>
         </p:nvSpPr>
@@ -8545,7 +9238,7 @@
       </p:sp>
       <p:sp>
         <p:nvSpPr>
-          <p:cNvPr id="465" name="Shape 465"/>
+          <p:cNvPr id="466" name="Shape 466"/>
           <p:cNvSpPr/>
           <p:nvPr/>
         </p:nvSpPr>
@@ -8626,7 +9319,7 @@
       </p:sp>
       <p:pic>
         <p:nvPicPr>
-          <p:cNvPr id="478" name=""/>
+          <p:cNvPr id="479" name=""/>
           <p:cNvPicPr/>
           <p:nvPr/>
         </p:nvPicPr>
@@ -8650,7 +9343,7 @@
       </p:pic>
       <p:sp>
         <p:nvSpPr>
-          <p:cNvPr id="467" name="Shape 467"/>
+          <p:cNvPr id="468" name="Shape 468"/>
           <p:cNvSpPr/>
           <p:nvPr/>
         </p:nvSpPr>
@@ -8719,7 +9412,7 @@
       </p:sp>
       <p:pic>
         <p:nvPicPr>
-          <p:cNvPr id="480" name=""/>
+          <p:cNvPr id="481" name=""/>
           <p:cNvPicPr/>
           <p:nvPr/>
         </p:nvPicPr>
@@ -8743,7 +9436,7 @@
       </p:pic>
       <p:sp>
         <p:nvSpPr>
-          <p:cNvPr id="469" name="Shape 469"/>
+          <p:cNvPr id="470" name="Shape 470"/>
           <p:cNvSpPr/>
           <p:nvPr/>
         </p:nvSpPr>
@@ -8824,7 +9517,7 @@
       </p:sp>
       <p:pic>
         <p:nvPicPr>
-          <p:cNvPr id="482" name=""/>
+          <p:cNvPr id="483" name=""/>
           <p:cNvPicPr/>
           <p:nvPr/>
         </p:nvPicPr>
@@ -8848,7 +9541,7 @@
       </p:pic>
       <p:sp>
         <p:nvSpPr>
-          <p:cNvPr id="471" name="Shape 471"/>
+          <p:cNvPr id="472" name="Shape 472"/>
           <p:cNvSpPr/>
           <p:nvPr/>
         </p:nvSpPr>
@@ -8917,7 +9610,7 @@
       </p:sp>
       <p:pic>
         <p:nvPicPr>
-          <p:cNvPr id="484" name=""/>
+          <p:cNvPr id="485" name=""/>
           <p:cNvPicPr/>
           <p:nvPr/>
         </p:nvPicPr>
@@ -8941,7 +9634,7 @@
       </p:pic>
       <p:sp>
         <p:nvSpPr>
-          <p:cNvPr id="473" name="Shape 473"/>
+          <p:cNvPr id="474" name="Shape 474"/>
           <p:cNvSpPr/>
           <p:nvPr/>
         </p:nvSpPr>
@@ -9010,7 +9703,7 @@
       </p:sp>
       <p:pic>
         <p:nvPicPr>
-          <p:cNvPr id="486" name=""/>
+          <p:cNvPr id="487" name=""/>
           <p:cNvPicPr/>
           <p:nvPr/>
         </p:nvPicPr>
@@ -9034,7 +9727,7 @@
       </p:pic>
       <p:sp>
         <p:nvSpPr>
-          <p:cNvPr id="475" name="Shape 475"/>
+          <p:cNvPr id="476" name="Shape 476"/>
           <p:cNvSpPr/>
           <p:nvPr/>
         </p:nvSpPr>
@@ -9153,7 +9846,7 @@
       </p:grpSpPr>
       <p:pic>
         <p:nvPicPr>
-          <p:cNvPr id="489" name="pasted-image.png"/>
+          <p:cNvPr id="490" name="pasted-image.png"/>
           <p:cNvPicPr/>
           <p:nvPr/>
         </p:nvPicPr>
@@ -9167,8 +9860,8 @@
         </p:blipFill>
         <p:spPr>
           <a:xfrm>
-            <a:off x="1866899" y="1612899"/>
-            <a:ext cx="11137901" cy="8140701"/>
+            <a:off x="1866900" y="1612900"/>
+            <a:ext cx="11137900" cy="8140700"/>
           </a:xfrm>
           <a:prstGeom prst="rect">
             <a:avLst/>
@@ -9180,7 +9873,7 @@
       </p:pic>
       <p:sp>
         <p:nvSpPr>
-          <p:cNvPr id="490" name="Shape 490"/>
+          <p:cNvPr id="491" name="Shape 491"/>
           <p:cNvSpPr/>
           <p:nvPr/>
         </p:nvSpPr>
@@ -9263,7 +9956,7 @@
       </p:sp>
       <p:pic>
         <p:nvPicPr>
-          <p:cNvPr id="491" name="laf-fabric-small.png"/>
+          <p:cNvPr id="492" name="laf-fabric-small.png"/>
           <p:cNvPicPr/>
           <p:nvPr/>
         </p:nvPicPr>
@@ -9290,7 +9983,7 @@
       </p:pic>
       <p:sp>
         <p:nvSpPr>
-          <p:cNvPr id="492" name="Shape 492"/>
+          <p:cNvPr id="493" name="Shape 493"/>
           <p:cNvSpPr/>
           <p:nvPr/>
         </p:nvSpPr>
@@ -9359,7 +10052,7 @@
       </p:sp>
       <p:sp>
         <p:nvSpPr>
-          <p:cNvPr id="493" name="Shape 493"/>
+          <p:cNvPr id="494" name="Shape 494"/>
           <p:cNvSpPr/>
           <p:nvPr/>
         </p:nvSpPr>
@@ -9428,7 +10121,7 @@
       </p:sp>
       <p:sp>
         <p:nvSpPr>
-          <p:cNvPr id="494" name="Shape 494"/>
+          <p:cNvPr id="495" name="Shape 495"/>
           <p:cNvSpPr/>
           <p:nvPr/>
         </p:nvSpPr>
@@ -9497,13 +10190,13 @@
       </p:sp>
       <p:sp>
         <p:nvSpPr>
-          <p:cNvPr id="495" name="Shape 495"/>
+          <p:cNvPr id="496" name="Shape 496"/>
           <p:cNvSpPr/>
           <p:nvPr/>
         </p:nvSpPr>
         <p:spPr>
           <a:xfrm>
-            <a:off x="125941" y="7489886"/>
+            <a:off x="125941" y="7489887"/>
             <a:ext cx="3014673" cy="2031547"/>
           </a:xfrm>
           <a:prstGeom prst="roundRect">
@@ -9605,14 +10298,14 @@
       </p:sp>
       <p:sp>
         <p:nvSpPr>
-          <p:cNvPr id="496" name="Shape 496"/>
+          <p:cNvPr id="497" name="Shape 497"/>
           <p:cNvSpPr/>
           <p:nvPr/>
         </p:nvSpPr>
         <p:spPr>
           <a:xfrm>
-            <a:off x="9798208" y="7489886"/>
-            <a:ext cx="3014673" cy="1357191"/>
+            <a:off x="9798208" y="7489887"/>
+            <a:ext cx="3014673" cy="1357190"/>
           </a:xfrm>
           <a:prstGeom prst="roundRect">
             <a:avLst>
@@ -9674,7 +10367,7 @@
       </p:sp>
       <p:pic>
         <p:nvPicPr>
-          <p:cNvPr id="498" name=""/>
+          <p:cNvPr id="499" name=""/>
           <p:cNvPicPr/>
           <p:nvPr/>
         </p:nvPicPr>
@@ -9724,7 +10417,7 @@
       </p:grpSpPr>
       <p:sp>
         <p:nvSpPr>
-          <p:cNvPr id="501" name="Shape 501"/>
+          <p:cNvPr id="502" name="Shape 502"/>
           <p:cNvSpPr/>
           <p:nvPr/>
         </p:nvSpPr>
@@ -9763,7 +10456,7 @@
       </p:sp>
       <p:sp>
         <p:nvSpPr>
-          <p:cNvPr id="502" name="Shape 502"/>
+          <p:cNvPr id="503" name="Shape 503"/>
           <p:cNvSpPr/>
           <p:nvPr/>
         </p:nvSpPr>
@@ -9965,7 +10658,7 @@
       </p:sp>
       <p:sp>
         <p:nvSpPr>
-          <p:cNvPr id="503" name="Shape 503"/>
+          <p:cNvPr id="504" name="Shape 504"/>
           <p:cNvSpPr/>
           <p:nvPr/>
         </p:nvSpPr>
@@ -10063,7 +10756,7 @@
       </p:grpSpPr>
       <p:sp>
         <p:nvSpPr>
-          <p:cNvPr id="17" name="Shape 17"/>
+          <p:cNvPr id="18" name="Shape 18"/>
           <p:cNvSpPr/>
           <p:nvPr/>
         </p:nvSpPr>
@@ -10703,7 +11396,7 @@
       </p:grpSpPr>
       <p:pic>
         <p:nvPicPr>
-          <p:cNvPr id="19" name="pasted-image.png"/>
+          <p:cNvPr id="20" name="pasted-image.png"/>
           <p:cNvPicPr/>
           <p:nvPr/>
         </p:nvPicPr>
@@ -10730,7 +11423,7 @@
       </p:pic>
       <p:pic>
         <p:nvPicPr>
-          <p:cNvPr id="41" name=""/>
+          <p:cNvPr id="42" name=""/>
           <p:cNvPicPr/>
           <p:nvPr/>
         </p:nvPicPr>
@@ -10744,8 +11437,8 @@
         </p:blipFill>
         <p:spPr>
           <a:xfrm>
-            <a:off x="7012226" y="1006787"/>
-            <a:ext cx="1795636" cy="1337936"/>
+            <a:off x="7012227" y="1006787"/>
+            <a:ext cx="1795635" cy="1337936"/>
           </a:xfrm>
           <a:prstGeom prst="rect">
             <a:avLst/>
@@ -10754,7 +11447,7 @@
       </p:pic>
       <p:pic>
         <p:nvPicPr>
-          <p:cNvPr id="43" name=""/>
+          <p:cNvPr id="44" name=""/>
           <p:cNvPicPr/>
           <p:nvPr/>
         </p:nvPicPr>
@@ -10778,7 +11471,7 @@
       </p:pic>
       <p:sp>
         <p:nvSpPr>
-          <p:cNvPr id="22" name="Shape 22"/>
+          <p:cNvPr id="23" name="Shape 23"/>
           <p:cNvSpPr/>
           <p:nvPr/>
         </p:nvSpPr>
@@ -10847,14 +11540,14 @@
       </p:sp>
       <p:sp>
         <p:nvSpPr>
-          <p:cNvPr id="23" name="Shape 23"/>
+          <p:cNvPr id="24" name="Shape 24"/>
           <p:cNvSpPr/>
           <p:nvPr/>
         </p:nvSpPr>
         <p:spPr>
           <a:xfrm>
             <a:off x="5923372" y="130525"/>
-            <a:ext cx="1158056" cy="1035818"/>
+            <a:ext cx="1158057" cy="1035818"/>
           </a:xfrm>
           <a:prstGeom prst="roundRect">
             <a:avLst>
@@ -10916,7 +11609,7 @@
       </p:sp>
       <p:sp>
         <p:nvSpPr>
-          <p:cNvPr id="24" name="Shape 24"/>
+          <p:cNvPr id="25" name="Shape 25"/>
           <p:cNvSpPr/>
           <p:nvPr/>
         </p:nvSpPr>
@@ -11009,7 +11702,7 @@
       </p:sp>
       <p:pic>
         <p:nvPicPr>
-          <p:cNvPr id="45" name=""/>
+          <p:cNvPr id="46" name=""/>
           <p:cNvPicPr/>
           <p:nvPr/>
         </p:nvPicPr>
@@ -11033,7 +11726,7 @@
       </p:pic>
       <p:sp>
         <p:nvSpPr>
-          <p:cNvPr id="26" name="Shape 26"/>
+          <p:cNvPr id="27" name="Shape 27"/>
           <p:cNvSpPr/>
           <p:nvPr/>
         </p:nvSpPr>
@@ -11138,13 +11831,13 @@
       </p:sp>
       <p:sp>
         <p:nvSpPr>
-          <p:cNvPr id="27" name="Shape 27"/>
+          <p:cNvPr id="28" name="Shape 28"/>
           <p:cNvSpPr/>
           <p:nvPr/>
         </p:nvSpPr>
         <p:spPr>
           <a:xfrm>
-            <a:off x="7235875" y="130525"/>
+            <a:off x="7235876" y="130525"/>
             <a:ext cx="3240615" cy="1035818"/>
           </a:xfrm>
           <a:prstGeom prst="roundRect">
@@ -11219,7 +11912,7 @@
       </p:sp>
       <p:pic>
         <p:nvPicPr>
-          <p:cNvPr id="47" name=""/>
+          <p:cNvPr id="48" name=""/>
           <p:cNvPicPr/>
           <p:nvPr/>
         </p:nvPicPr>
@@ -11243,7 +11936,7 @@
       </p:pic>
       <p:sp>
         <p:nvSpPr>
-          <p:cNvPr id="29" name="Shape 29"/>
+          <p:cNvPr id="30" name="Shape 30"/>
           <p:cNvSpPr/>
           <p:nvPr/>
         </p:nvSpPr>
@@ -11312,7 +12005,7 @@
       </p:sp>
       <p:pic>
         <p:nvPicPr>
-          <p:cNvPr id="30" name="pasted-image.png"/>
+          <p:cNvPr id="31" name="pasted-image.png"/>
           <p:cNvPicPr/>
           <p:nvPr/>
         </p:nvPicPr>
@@ -11339,7 +12032,7 @@
       </p:pic>
       <p:pic>
         <p:nvPicPr>
-          <p:cNvPr id="49" name=""/>
+          <p:cNvPr id="50" name=""/>
           <p:cNvPicPr/>
           <p:nvPr/>
         </p:nvPicPr>
@@ -11353,8 +12046,8 @@
         </p:blipFill>
         <p:spPr>
           <a:xfrm>
-            <a:off x="9473470" y="1115567"/>
-            <a:ext cx="677175" cy="4089378"/>
+            <a:off x="9473471" y="1115567"/>
+            <a:ext cx="677174" cy="4089378"/>
           </a:xfrm>
           <a:prstGeom prst="rect">
             <a:avLst/>
@@ -11363,7 +12056,7 @@
       </p:pic>
       <p:sp>
         <p:nvSpPr>
-          <p:cNvPr id="32" name="Shape 32"/>
+          <p:cNvPr id="33" name="Shape 33"/>
           <p:cNvSpPr/>
           <p:nvPr/>
         </p:nvSpPr>
@@ -11480,7 +12173,7 @@
       </p:sp>
       <p:pic>
         <p:nvPicPr>
-          <p:cNvPr id="51" name=""/>
+          <p:cNvPr id="52" name=""/>
           <p:cNvPicPr/>
           <p:nvPr/>
         </p:nvPicPr>
@@ -11495,7 +12188,7 @@
         <p:spPr>
           <a:xfrm>
             <a:off x="10257176" y="2572786"/>
-            <a:ext cx="1358404" cy="1056643"/>
+            <a:ext cx="1358404" cy="1056642"/>
           </a:xfrm>
           <a:prstGeom prst="rect">
             <a:avLst/>
@@ -11504,7 +12197,7 @@
       </p:pic>
       <p:pic>
         <p:nvPicPr>
-          <p:cNvPr id="53" name=""/>
+          <p:cNvPr id="54" name=""/>
           <p:cNvPicPr/>
           <p:nvPr/>
         </p:nvPicPr>
@@ -11518,8 +12211,8 @@
         </p:blipFill>
         <p:spPr>
           <a:xfrm>
-            <a:off x="10977572" y="2563262"/>
-            <a:ext cx="658548" cy="779275"/>
+            <a:off x="10977571" y="2563262"/>
+            <a:ext cx="658549" cy="779275"/>
           </a:xfrm>
           <a:prstGeom prst="rect">
             <a:avLst/>
@@ -11528,7 +12221,7 @@
       </p:pic>
       <p:sp>
         <p:nvSpPr>
-          <p:cNvPr id="35" name="Shape 35"/>
+          <p:cNvPr id="36" name="Shape 36"/>
           <p:cNvSpPr/>
           <p:nvPr/>
         </p:nvSpPr>
@@ -11597,7 +12290,7 @@
       </p:sp>
       <p:pic>
         <p:nvPicPr>
-          <p:cNvPr id="55" name=""/>
+          <p:cNvPr id="56" name=""/>
           <p:cNvPicPr/>
           <p:nvPr/>
         </p:nvPicPr>
@@ -11621,7 +12314,7 @@
       </p:pic>
       <p:pic>
         <p:nvPicPr>
-          <p:cNvPr id="57" name=""/>
+          <p:cNvPr id="58" name=""/>
           <p:cNvPicPr/>
           <p:nvPr/>
         </p:nvPicPr>
@@ -11635,8 +12328,8 @@
         </p:blipFill>
         <p:spPr>
           <a:xfrm>
-            <a:off x="11490613" y="5729585"/>
-            <a:ext cx="451615" cy="2366981"/>
+            <a:off x="11490612" y="5729585"/>
+            <a:ext cx="451616" cy="2366981"/>
           </a:xfrm>
           <a:prstGeom prst="rect">
             <a:avLst/>
@@ -11645,14 +12338,14 @@
       </p:pic>
       <p:sp>
         <p:nvSpPr>
-          <p:cNvPr id="38" name="Shape 38"/>
+          <p:cNvPr id="39" name="Shape 39"/>
           <p:cNvSpPr/>
           <p:nvPr/>
         </p:nvSpPr>
         <p:spPr>
           <a:xfrm>
-            <a:off x="762694" y="4517684"/>
-            <a:ext cx="3712102" cy="4866879"/>
+            <a:off x="762694" y="4517683"/>
+            <a:ext cx="3712102" cy="4866880"/>
           </a:xfrm>
           <a:prstGeom prst="roundRect">
             <a:avLst>
@@ -11735,7 +12428,7 @@
                 <a:cs typeface="Helvetica"/>
                 <a:sym typeface="Helvetica"/>
               </a:rPr>
-              <a:t>go to </a:t>
+              <a:t>go </a:t>
             </a:r>
             <a:r>
               <a:rPr sz="2400">
@@ -11747,7 +12440,31 @@
                 <a:cs typeface="Helvetica"/>
                 <a:sym typeface="Helvetica"/>
               </a:rPr>
-              <a:t>directly to this chapter in</a:t>
+              <a:t>directly </a:t>
+            </a:r>
+            <a:r>
+              <a:rPr b="1" sz="2400">
+                <a:solidFill>
+                  <a:srgbClr val="0433FF"/>
+                </a:solidFill>
+                <a:latin typeface="Helvetica"/>
+                <a:ea typeface="Helvetica"/>
+                <a:cs typeface="Helvetica"/>
+                <a:sym typeface="Helvetica"/>
+              </a:rPr>
+              <a:t>to</a:t>
+            </a:r>
+            <a:r>
+              <a:rPr sz="2400">
+                <a:solidFill>
+                  <a:srgbClr val="0433FF"/>
+                </a:solidFill>
+                <a:latin typeface="Helvetica"/>
+                <a:ea typeface="Helvetica"/>
+                <a:cs typeface="Helvetica"/>
+                <a:sym typeface="Helvetica"/>
+              </a:rPr>
+              <a:t> this chapter in</a:t>
             </a:r>
             <a:r>
               <a:rPr b="1" sz="2400">
@@ -11896,7 +12613,7 @@
       </p:sp>
       <p:pic>
         <p:nvPicPr>
-          <p:cNvPr id="59" name=""/>
+          <p:cNvPr id="60" name=""/>
           <p:cNvPicPr/>
           <p:nvPr/>
         </p:nvPicPr>
@@ -11920,7 +12637,7 @@
       </p:pic>
       <p:pic>
         <p:nvPicPr>
-          <p:cNvPr id="40" name="BibleOL-big.png"/>
+          <p:cNvPr id="41" name="BibleOL-big.png"/>
           <p:cNvPicPr/>
           <p:nvPr/>
         </p:nvPicPr>
@@ -11973,7 +12690,7 @@
       </p:grpSpPr>
       <p:pic>
         <p:nvPicPr>
-          <p:cNvPr id="62" name="pasted-image.png"/>
+          <p:cNvPr id="63" name="pasted-image.png"/>
           <p:cNvPicPr/>
           <p:nvPr/>
         </p:nvPicPr>
@@ -12000,7 +12717,7 @@
       </p:pic>
       <p:pic>
         <p:nvPicPr>
-          <p:cNvPr id="86" name=""/>
+          <p:cNvPr id="87" name=""/>
           <p:cNvPicPr/>
           <p:nvPr/>
         </p:nvPicPr>
@@ -12024,7 +12741,7 @@
       </p:pic>
       <p:sp>
         <p:nvSpPr>
-          <p:cNvPr id="64" name="Shape 64"/>
+          <p:cNvPr id="65" name="Shape 65"/>
           <p:cNvSpPr/>
           <p:nvPr/>
         </p:nvSpPr>
@@ -12105,7 +12822,7 @@
       </p:sp>
       <p:sp>
         <p:nvSpPr>
-          <p:cNvPr id="65" name="Shape 65"/>
+          <p:cNvPr id="66" name="Shape 66"/>
           <p:cNvSpPr/>
           <p:nvPr/>
         </p:nvSpPr>
@@ -12186,7 +12903,7 @@
       </p:sp>
       <p:sp>
         <p:nvSpPr>
-          <p:cNvPr id="66" name="Shape 66"/>
+          <p:cNvPr id="67" name="Shape 67"/>
           <p:cNvSpPr/>
           <p:nvPr/>
         </p:nvSpPr>
@@ -12279,7 +12996,7 @@
       </p:sp>
       <p:pic>
         <p:nvPicPr>
-          <p:cNvPr id="88" name=""/>
+          <p:cNvPr id="89" name=""/>
           <p:cNvPicPr/>
           <p:nvPr/>
         </p:nvPicPr>
@@ -12303,7 +13020,7 @@
       </p:pic>
       <p:pic>
         <p:nvPicPr>
-          <p:cNvPr id="90" name=""/>
+          <p:cNvPr id="91" name=""/>
           <p:cNvPicPr/>
           <p:nvPr/>
         </p:nvPicPr>
@@ -12327,7 +13044,7 @@
       </p:pic>
       <p:pic>
         <p:nvPicPr>
-          <p:cNvPr id="92" name=""/>
+          <p:cNvPr id="93" name=""/>
           <p:cNvPicPr/>
           <p:nvPr/>
         </p:nvPicPr>
@@ -12351,7 +13068,7 @@
       </p:pic>
       <p:pic>
         <p:nvPicPr>
-          <p:cNvPr id="94" name=""/>
+          <p:cNvPr id="95" name=""/>
           <p:cNvPicPr/>
           <p:nvPr/>
         </p:nvPicPr>
@@ -12375,7 +13092,7 @@
       </p:pic>
       <p:sp>
         <p:nvSpPr>
-          <p:cNvPr id="71" name="Shape 71"/>
+          <p:cNvPr id="72" name="Shape 72"/>
           <p:cNvSpPr/>
           <p:nvPr/>
         </p:nvSpPr>
@@ -12480,7 +13197,7 @@
       </p:sp>
       <p:pic>
         <p:nvPicPr>
-          <p:cNvPr id="96" name=""/>
+          <p:cNvPr id="97" name=""/>
           <p:cNvPicPr/>
           <p:nvPr/>
         </p:nvPicPr>
@@ -12504,7 +13221,7 @@
       </p:pic>
       <p:pic>
         <p:nvPicPr>
-          <p:cNvPr id="98" name=""/>
+          <p:cNvPr id="99" name=""/>
           <p:cNvPicPr/>
           <p:nvPr/>
         </p:nvPicPr>
@@ -12528,7 +13245,7 @@
       </p:pic>
       <p:sp>
         <p:nvSpPr>
-          <p:cNvPr id="74" name="Shape 74"/>
+          <p:cNvPr id="75" name="Shape 75"/>
           <p:cNvSpPr/>
           <p:nvPr/>
         </p:nvSpPr>
@@ -12633,7 +13350,7 @@
       </p:sp>
       <p:pic>
         <p:nvPicPr>
-          <p:cNvPr id="100" name=""/>
+          <p:cNvPr id="101" name=""/>
           <p:cNvPicPr/>
           <p:nvPr/>
         </p:nvPicPr>
@@ -12657,7 +13374,7 @@
       </p:pic>
       <p:sp>
         <p:nvSpPr>
-          <p:cNvPr id="76" name="Shape 76"/>
+          <p:cNvPr id="77" name="Shape 77"/>
           <p:cNvSpPr/>
           <p:nvPr/>
         </p:nvSpPr>
@@ -12750,7 +13467,7 @@
       </p:sp>
       <p:pic>
         <p:nvPicPr>
-          <p:cNvPr id="102" name=""/>
+          <p:cNvPr id="103" name=""/>
           <p:cNvPicPr/>
           <p:nvPr/>
         </p:nvPicPr>
@@ -12774,7 +13491,7 @@
       </p:pic>
       <p:sp>
         <p:nvSpPr>
-          <p:cNvPr id="78" name="Shape 78"/>
+          <p:cNvPr id="79" name="Shape 79"/>
           <p:cNvSpPr/>
           <p:nvPr/>
         </p:nvSpPr>
@@ -12855,7 +13572,7 @@
       </p:sp>
       <p:pic>
         <p:nvPicPr>
-          <p:cNvPr id="104" name=""/>
+          <p:cNvPr id="105" name=""/>
           <p:cNvPicPr/>
           <p:nvPr/>
         </p:nvPicPr>
@@ -12879,7 +13596,7 @@
       </p:pic>
       <p:sp>
         <p:nvSpPr>
-          <p:cNvPr id="80" name="Shape 80"/>
+          <p:cNvPr id="81" name="Shape 81"/>
           <p:cNvSpPr/>
           <p:nvPr/>
         </p:nvSpPr>
@@ -12948,7 +13665,7 @@
       </p:sp>
       <p:pic>
         <p:nvPicPr>
-          <p:cNvPr id="106" name=""/>
+          <p:cNvPr id="107" name=""/>
           <p:cNvPicPr/>
           <p:nvPr/>
         </p:nvPicPr>
@@ -12972,7 +13689,7 @@
       </p:pic>
       <p:pic>
         <p:nvPicPr>
-          <p:cNvPr id="82" name="pasted-image.png"/>
+          <p:cNvPr id="83" name="pasted-image.png"/>
           <p:cNvPicPr/>
           <p:nvPr/>
         </p:nvPicPr>
@@ -12999,7 +13716,7 @@
       </p:pic>
       <p:sp>
         <p:nvSpPr>
-          <p:cNvPr id="83" name="Shape 83"/>
+          <p:cNvPr id="84" name="Shape 84"/>
           <p:cNvSpPr/>
           <p:nvPr/>
         </p:nvSpPr>
@@ -13092,7 +13809,7 @@
       </p:sp>
       <p:pic>
         <p:nvPicPr>
-          <p:cNvPr id="108" name=""/>
+          <p:cNvPr id="109" name=""/>
           <p:cNvPicPr/>
           <p:nvPr/>
         </p:nvPicPr>
@@ -13116,7 +13833,7 @@
       </p:pic>
       <p:pic>
         <p:nvPicPr>
-          <p:cNvPr id="85" name="pasted-image.png"/>
+          <p:cNvPr id="86" name="pasted-image.png"/>
           <p:cNvPicPr/>
           <p:nvPr/>
         </p:nvPicPr>
@@ -13169,7 +13886,7 @@
       </p:grpSpPr>
       <p:pic>
         <p:nvPicPr>
-          <p:cNvPr id="111" name="pasted-image.png"/>
+          <p:cNvPr id="112" name="pasted-image.png"/>
           <p:cNvPicPr/>
           <p:nvPr/>
         </p:nvPicPr>
@@ -13196,7 +13913,7 @@
       </p:pic>
       <p:pic>
         <p:nvPicPr>
-          <p:cNvPr id="112" name="pasted-image.png"/>
+          <p:cNvPr id="113" name="pasted-image.png"/>
           <p:cNvPicPr/>
           <p:nvPr/>
         </p:nvPicPr>
@@ -13223,7 +13940,7 @@
       </p:pic>
       <p:pic>
         <p:nvPicPr>
-          <p:cNvPr id="125" name=""/>
+          <p:cNvPr id="126" name=""/>
           <p:cNvPicPr/>
           <p:nvPr/>
         </p:nvPicPr>
@@ -13247,7 +13964,7 @@
       </p:pic>
       <p:sp>
         <p:nvSpPr>
-          <p:cNvPr id="114" name="Shape 114"/>
+          <p:cNvPr id="115" name="Shape 115"/>
           <p:cNvSpPr/>
           <p:nvPr/>
         </p:nvSpPr>
@@ -13316,7 +14033,7 @@
       </p:sp>
       <p:sp>
         <p:nvSpPr>
-          <p:cNvPr id="115" name="Shape 115"/>
+          <p:cNvPr id="116" name="Shape 116"/>
           <p:cNvSpPr/>
           <p:nvPr/>
         </p:nvSpPr>
@@ -13385,7 +14102,7 @@
       </p:sp>
       <p:sp>
         <p:nvSpPr>
-          <p:cNvPr id="116" name="Shape 116"/>
+          <p:cNvPr id="117" name="Shape 117"/>
           <p:cNvSpPr/>
           <p:nvPr/>
         </p:nvSpPr>
@@ -13466,7 +14183,7 @@
       </p:sp>
       <p:pic>
         <p:nvPicPr>
-          <p:cNvPr id="127" name=""/>
+          <p:cNvPr id="128" name=""/>
           <p:cNvPicPr/>
           <p:nvPr/>
         </p:nvPicPr>
@@ -13490,7 +14207,7 @@
       </p:pic>
       <p:sp>
         <p:nvSpPr>
-          <p:cNvPr id="118" name="Shape 118"/>
+          <p:cNvPr id="119" name="Shape 119"/>
           <p:cNvSpPr/>
           <p:nvPr/>
         </p:nvSpPr>
@@ -13607,7 +14324,7 @@
       </p:sp>
       <p:sp>
         <p:nvSpPr>
-          <p:cNvPr id="119" name="Shape 119"/>
+          <p:cNvPr id="120" name="Shape 120"/>
           <p:cNvSpPr/>
           <p:nvPr/>
         </p:nvSpPr>
@@ -13676,7 +14393,7 @@
       </p:sp>
       <p:pic>
         <p:nvPicPr>
-          <p:cNvPr id="129" name=""/>
+          <p:cNvPr id="130" name=""/>
           <p:cNvPicPr/>
           <p:nvPr/>
         </p:nvPicPr>
@@ -13700,7 +14417,7 @@
       </p:pic>
       <p:pic>
         <p:nvPicPr>
-          <p:cNvPr id="131" name=""/>
+          <p:cNvPr id="132" name=""/>
           <p:cNvPicPr/>
           <p:nvPr/>
         </p:nvPicPr>
@@ -13724,7 +14441,7 @@
       </p:pic>
       <p:pic>
         <p:nvPicPr>
-          <p:cNvPr id="133" name=""/>
+          <p:cNvPr id="134" name=""/>
           <p:cNvPicPr/>
           <p:nvPr/>
         </p:nvPicPr>
@@ -13748,7 +14465,7 @@
       </p:pic>
       <p:pic>
         <p:nvPicPr>
-          <p:cNvPr id="135" name=""/>
+          <p:cNvPr id="136" name=""/>
           <p:cNvPicPr/>
           <p:nvPr/>
         </p:nvPicPr>
@@ -13772,7 +14489,7 @@
       </p:pic>
       <p:sp>
         <p:nvSpPr>
-          <p:cNvPr id="124" name="Shape 124"/>
+          <p:cNvPr id="125" name="Shape 125"/>
           <p:cNvSpPr/>
           <p:nvPr/>
         </p:nvSpPr>
@@ -13867,7 +14584,7 @@
       </p:grpSpPr>
       <p:pic>
         <p:nvPicPr>
-          <p:cNvPr id="138" name="pasted-image.png"/>
+          <p:cNvPr id="139" name="pasted-image.png"/>
           <p:cNvPicPr/>
           <p:nvPr/>
         </p:nvPicPr>
@@ -13894,7 +14611,7 @@
       </p:pic>
       <p:pic>
         <p:nvPicPr>
-          <p:cNvPr id="145" name=""/>
+          <p:cNvPr id="146" name=""/>
           <p:cNvPicPr/>
           <p:nvPr/>
         </p:nvPicPr>
@@ -13918,7 +14635,7 @@
       </p:pic>
       <p:pic>
         <p:nvPicPr>
-          <p:cNvPr id="147" name=""/>
+          <p:cNvPr id="148" name=""/>
           <p:cNvPicPr/>
           <p:nvPr/>
         </p:nvPicPr>
@@ -13942,7 +14659,7 @@
       </p:pic>
       <p:sp>
         <p:nvSpPr>
-          <p:cNvPr id="141" name="Shape 141"/>
+          <p:cNvPr id="142" name="Shape 142"/>
           <p:cNvSpPr/>
           <p:nvPr/>
         </p:nvSpPr>
@@ -14011,14 +14728,14 @@
       </p:sp>
       <p:sp>
         <p:nvSpPr>
-          <p:cNvPr id="142" name="Shape 142"/>
+          <p:cNvPr id="143" name="Shape 143"/>
           <p:cNvSpPr/>
           <p:nvPr/>
         </p:nvSpPr>
         <p:spPr>
           <a:xfrm>
             <a:off x="7679266" y="0"/>
-            <a:ext cx="1989998" cy="1820003"/>
+            <a:ext cx="1989999" cy="1820003"/>
           </a:xfrm>
           <a:prstGeom prst="roundRect">
             <a:avLst>
@@ -14128,7 +14845,7 @@
       </p:sp>
       <p:sp>
         <p:nvSpPr>
-          <p:cNvPr id="143" name="Shape 143"/>
+          <p:cNvPr id="144" name="Shape 144"/>
           <p:cNvSpPr/>
           <p:nvPr/>
         </p:nvSpPr>
@@ -14233,7 +14950,7 @@
       </p:sp>
       <p:pic>
         <p:nvPicPr>
-          <p:cNvPr id="149" name=""/>
+          <p:cNvPr id="150" name=""/>
           <p:cNvPicPr/>
           <p:nvPr/>
         </p:nvPicPr>
@@ -14283,7 +15000,7 @@
       </p:grpSpPr>
       <p:pic>
         <p:nvPicPr>
-          <p:cNvPr id="152" name="pasted-image.png"/>
+          <p:cNvPr id="153" name="pasted-image.png"/>
           <p:cNvPicPr/>
           <p:nvPr/>
         </p:nvPicPr>
@@ -14310,7 +15027,7 @@
       </p:pic>
       <p:sp>
         <p:nvSpPr>
-          <p:cNvPr id="153" name="Shape 153"/>
+          <p:cNvPr id="154" name="Shape 154"/>
           <p:cNvSpPr/>
           <p:nvPr/>
         </p:nvSpPr>
@@ -14391,7 +15108,7 @@
       </p:sp>
       <p:sp>
         <p:nvSpPr>
-          <p:cNvPr id="154" name="Shape 154"/>
+          <p:cNvPr id="155" name="Shape 155"/>
           <p:cNvSpPr/>
           <p:nvPr/>
         </p:nvSpPr>
@@ -14472,7 +15189,7 @@
       </p:sp>
       <p:pic>
         <p:nvPicPr>
-          <p:cNvPr id="171" name=""/>
+          <p:cNvPr id="172" name=""/>
           <p:cNvPicPr/>
           <p:nvPr/>
         </p:nvPicPr>
@@ -14496,7 +15213,7 @@
       </p:pic>
       <p:pic>
         <p:nvPicPr>
-          <p:cNvPr id="173" name=""/>
+          <p:cNvPr id="174" name=""/>
           <p:cNvPicPr/>
           <p:nvPr/>
         </p:nvPicPr>
@@ -14520,7 +15237,7 @@
       </p:pic>
       <p:sp>
         <p:nvSpPr>
-          <p:cNvPr id="157" name="Shape 157"/>
+          <p:cNvPr id="158" name="Shape 158"/>
           <p:cNvSpPr/>
           <p:nvPr/>
         </p:nvSpPr>
@@ -14637,7 +15354,7 @@
       </p:sp>
       <p:sp>
         <p:nvSpPr>
-          <p:cNvPr id="158" name="Shape 158"/>
+          <p:cNvPr id="159" name="Shape 159"/>
           <p:cNvSpPr/>
           <p:nvPr/>
         </p:nvSpPr>
@@ -14706,7 +15423,7 @@
       </p:sp>
       <p:pic>
         <p:nvPicPr>
-          <p:cNvPr id="175" name=""/>
+          <p:cNvPr id="176" name=""/>
           <p:cNvPicPr/>
           <p:nvPr/>
         </p:nvPicPr>
@@ -14730,7 +15447,7 @@
       </p:pic>
       <p:sp>
         <p:nvSpPr>
-          <p:cNvPr id="160" name="Shape 160"/>
+          <p:cNvPr id="161" name="Shape 161"/>
           <p:cNvSpPr/>
           <p:nvPr/>
         </p:nvSpPr>
@@ -14799,7 +15516,7 @@
       </p:sp>
       <p:pic>
         <p:nvPicPr>
-          <p:cNvPr id="177" name=""/>
+          <p:cNvPr id="178" name=""/>
           <p:cNvPicPr/>
           <p:nvPr/>
         </p:nvPicPr>
@@ -14823,7 +15540,7 @@
       </p:pic>
       <p:sp>
         <p:nvSpPr>
-          <p:cNvPr id="162" name="Shape 162"/>
+          <p:cNvPr id="163" name="Shape 163"/>
           <p:cNvSpPr/>
           <p:nvPr/>
         </p:nvSpPr>
@@ -14904,7 +15621,7 @@
       </p:sp>
       <p:pic>
         <p:nvPicPr>
-          <p:cNvPr id="179" name=""/>
+          <p:cNvPr id="180" name=""/>
           <p:cNvPicPr/>
           <p:nvPr/>
         </p:nvPicPr>
@@ -14928,7 +15645,7 @@
       </p:pic>
       <p:sp>
         <p:nvSpPr>
-          <p:cNvPr id="164" name="Shape 164"/>
+          <p:cNvPr id="165" name="Shape 165"/>
           <p:cNvSpPr/>
           <p:nvPr/>
         </p:nvSpPr>
@@ -15034,7 +15751,7 @@
       </p:sp>
       <p:sp>
         <p:nvSpPr>
-          <p:cNvPr id="165" name="Shape 165"/>
+          <p:cNvPr id="166" name="Shape 166"/>
           <p:cNvSpPr/>
           <p:nvPr/>
         </p:nvSpPr>
@@ -15103,7 +15820,7 @@
       </p:sp>
       <p:pic>
         <p:nvPicPr>
-          <p:cNvPr id="181" name=""/>
+          <p:cNvPr id="182" name=""/>
           <p:cNvPicPr/>
           <p:nvPr/>
         </p:nvPicPr>
@@ -15127,7 +15844,7 @@
       </p:pic>
       <p:sp>
         <p:nvSpPr>
-          <p:cNvPr id="167" name="Shape 167"/>
+          <p:cNvPr id="168" name="Shape 168"/>
           <p:cNvSpPr/>
           <p:nvPr/>
         </p:nvSpPr>
@@ -15196,7 +15913,7 @@
       </p:sp>
       <p:sp>
         <p:nvSpPr>
-          <p:cNvPr id="168" name="Shape 168"/>
+          <p:cNvPr id="169" name="Shape 169"/>
           <p:cNvSpPr/>
           <p:nvPr/>
         </p:nvSpPr>
@@ -15265,7 +15982,7 @@
       </p:sp>
       <p:pic>
         <p:nvPicPr>
-          <p:cNvPr id="183" name=""/>
+          <p:cNvPr id="184" name=""/>
           <p:cNvPicPr/>
           <p:nvPr/>
         </p:nvPicPr>
@@ -15289,7 +16006,7 @@
       </p:pic>
       <p:sp>
         <p:nvSpPr>
-          <p:cNvPr id="170" name="Shape 170"/>
+          <p:cNvPr id="171" name="Shape 171"/>
           <p:cNvSpPr/>
           <p:nvPr/>
         </p:nvSpPr>
@@ -15424,7 +16141,7 @@
       </p:grpSpPr>
       <p:pic>
         <p:nvPicPr>
-          <p:cNvPr id="186" name="pasted-image.png"/>
+          <p:cNvPr id="187" name="pasted-image.png"/>
           <p:cNvPicPr/>
           <p:nvPr/>
         </p:nvPicPr>
@@ -15451,7 +16168,7 @@
       </p:pic>
       <p:pic>
         <p:nvPicPr>
-          <p:cNvPr id="187" name="pasted-image.png"/>
+          <p:cNvPr id="188" name="pasted-image.png"/>
           <p:cNvPicPr/>
           <p:nvPr/>
         </p:nvPicPr>
@@ -15478,7 +16195,7 @@
       </p:pic>
       <p:sp>
         <p:nvSpPr>
-          <p:cNvPr id="188" name="Shape 188"/>
+          <p:cNvPr id="189" name="Shape 189"/>
           <p:cNvSpPr/>
           <p:nvPr/>
         </p:nvSpPr>
@@ -15547,7 +16264,7 @@
       </p:sp>
       <p:pic>
         <p:nvPicPr>
-          <p:cNvPr id="202" name=""/>
+          <p:cNvPr id="203" name=""/>
           <p:cNvPicPr/>
           <p:nvPr/>
         </p:nvPicPr>
@@ -15571,7 +16288,7 @@
       </p:pic>
       <p:pic>
         <p:nvPicPr>
-          <p:cNvPr id="204" name=""/>
+          <p:cNvPr id="205" name=""/>
           <p:cNvPicPr/>
           <p:nvPr/>
         </p:nvPicPr>
@@ -15595,7 +16312,7 @@
       </p:pic>
       <p:sp>
         <p:nvSpPr>
-          <p:cNvPr id="191" name="Shape 191"/>
+          <p:cNvPr id="192" name="Shape 192"/>
           <p:cNvSpPr/>
           <p:nvPr/>
         </p:nvSpPr>
@@ -15664,7 +16381,7 @@
       </p:sp>
       <p:pic>
         <p:nvPicPr>
-          <p:cNvPr id="206" name=""/>
+          <p:cNvPr id="207" name=""/>
           <p:cNvPicPr/>
           <p:nvPr/>
         </p:nvPicPr>
@@ -15688,7 +16405,7 @@
       </p:pic>
       <p:pic>
         <p:nvPicPr>
-          <p:cNvPr id="208" name=""/>
+          <p:cNvPr id="209" name=""/>
           <p:cNvPicPr/>
           <p:nvPr/>
         </p:nvPicPr>
@@ -15712,7 +16429,7 @@
       </p:pic>
       <p:sp>
         <p:nvSpPr>
-          <p:cNvPr id="194" name="Shape 194"/>
+          <p:cNvPr id="195" name="Shape 195"/>
           <p:cNvSpPr/>
           <p:nvPr/>
         </p:nvSpPr>
@@ -15831,7 +16548,7 @@
       </p:sp>
       <p:pic>
         <p:nvPicPr>
-          <p:cNvPr id="210" name=""/>
+          <p:cNvPr id="211" name=""/>
           <p:cNvPicPr/>
           <p:nvPr/>
         </p:nvPicPr>
@@ -15855,7 +16572,7 @@
       </p:pic>
       <p:sp>
         <p:nvSpPr>
-          <p:cNvPr id="196" name="Shape 196"/>
+          <p:cNvPr id="197" name="Shape 197"/>
           <p:cNvSpPr/>
           <p:nvPr/>
         </p:nvSpPr>
@@ -15960,7 +16677,7 @@
       </p:sp>
       <p:graphicFrame>
         <p:nvGraphicFramePr>
-          <p:cNvPr id="197" name="Table 197"/>
+          <p:cNvPr id="198" name="Table 198"/>
           <p:cNvGraphicFramePr/>
           <p:nvPr/>
         </p:nvGraphicFramePr>
@@ -16007,6 +16724,9 @@
                     <a:lnT w="12700">
                       <a:miter lim="400000"/>
                     </a:lnT>
+                    <a:lnB w="12700">
+                      <a:miter lim="400000"/>
+                    </a:lnB>
                   </a:tcPr>
                 </a:tc>
               </a:tr>
@@ -16037,6 +16757,12 @@
                     <a:lnR w="12700">
                       <a:miter lim="400000"/>
                     </a:lnR>
+                    <a:lnT w="12700">
+                      <a:miter lim="400000"/>
+                    </a:lnT>
+                    <a:lnB w="12700">
+                      <a:miter lim="400000"/>
+                    </a:lnB>
                   </a:tcPr>
                 </a:tc>
               </a:tr>
@@ -16067,6 +16793,12 @@
                     <a:lnR w="12700">
                       <a:miter lim="400000"/>
                     </a:lnR>
+                    <a:lnT w="12700">
+                      <a:miter lim="400000"/>
+                    </a:lnT>
+                    <a:lnB w="12700">
+                      <a:miter lim="400000"/>
+                    </a:lnB>
                   </a:tcPr>
                 </a:tc>
               </a:tr>
@@ -16097,6 +16829,12 @@
                     <a:lnR w="12700">
                       <a:miter lim="400000"/>
                     </a:lnR>
+                    <a:lnT w="12700">
+                      <a:miter lim="400000"/>
+                    </a:lnT>
+                    <a:lnB w="12700">
+                      <a:miter lim="400000"/>
+                    </a:lnB>
                   </a:tcPr>
                 </a:tc>
               </a:tr>
@@ -16127,6 +16865,12 @@
                     <a:lnR w="12700">
                       <a:miter lim="400000"/>
                     </a:lnR>
+                    <a:lnT w="12700">
+                      <a:miter lim="400000"/>
+                    </a:lnT>
+                    <a:lnB w="12700">
+                      <a:miter lim="400000"/>
+                    </a:lnB>
                   </a:tcPr>
                 </a:tc>
               </a:tr>
@@ -16157,6 +16901,12 @@
                     <a:lnR w="12700">
                       <a:miter lim="400000"/>
                     </a:lnR>
+                    <a:lnT w="12700">
+                      <a:miter lim="400000"/>
+                    </a:lnT>
+                    <a:lnB w="12700">
+                      <a:miter lim="400000"/>
+                    </a:lnB>
                   </a:tcPr>
                 </a:tc>
               </a:tr>
@@ -16190,6 +16940,12 @@
                     <a:lnR w="12700">
                       <a:miter lim="400000"/>
                     </a:lnR>
+                    <a:lnT w="12700">
+                      <a:miter lim="400000"/>
+                    </a:lnT>
+                    <a:lnB w="12700">
+                      <a:miter lim="400000"/>
+                    </a:lnB>
                   </a:tcPr>
                 </a:tc>
               </a:tr>
@@ -16223,6 +16979,9 @@
                     <a:lnR w="12700">
                       <a:miter lim="400000"/>
                     </a:lnR>
+                    <a:lnT w="12700">
+                      <a:miter lim="400000"/>
+                    </a:lnT>
                     <a:lnB w="12700">
                       <a:miter lim="400000"/>
                     </a:lnB>
@@ -16235,7 +16994,7 @@
       </p:graphicFrame>
       <p:sp>
         <p:nvSpPr>
-          <p:cNvPr id="198" name="Shape 198"/>
+          <p:cNvPr id="199" name="Shape 199"/>
           <p:cNvSpPr/>
           <p:nvPr/>
         </p:nvSpPr>
@@ -16370,7 +17129,7 @@
       </p:sp>
       <p:pic>
         <p:nvPicPr>
-          <p:cNvPr id="199" name="pasted-image.png"/>
+          <p:cNvPr id="200" name="pasted-image.png"/>
           <p:cNvPicPr/>
           <p:nvPr/>
         </p:nvPicPr>
@@ -16397,7 +17156,7 @@
       </p:pic>
       <p:sp>
         <p:nvSpPr>
-          <p:cNvPr id="200" name="Shape 200"/>
+          <p:cNvPr id="201" name="Shape 201"/>
           <p:cNvSpPr/>
           <p:nvPr/>
         </p:nvSpPr>
@@ -16466,7 +17225,7 @@
       </p:sp>
       <p:pic>
         <p:nvPicPr>
-          <p:cNvPr id="212" name=""/>
+          <p:cNvPr id="213" name=""/>
           <p:cNvPicPr/>
           <p:nvPr/>
         </p:nvPicPr>
@@ -16516,7 +17275,7 @@
       </p:grpSpPr>
       <p:pic>
         <p:nvPicPr>
-          <p:cNvPr id="215" name="pasted-image.png"/>
+          <p:cNvPr id="216" name="pasted-image.png"/>
           <p:cNvPicPr/>
           <p:nvPr/>
         </p:nvPicPr>
@@ -16543,7 +17302,7 @@
       </p:pic>
       <p:pic>
         <p:nvPicPr>
-          <p:cNvPr id="230" name=""/>
+          <p:cNvPr id="231" name=""/>
           <p:cNvPicPr/>
           <p:nvPr/>
         </p:nvPicPr>
@@ -16567,7 +17326,7 @@
       </p:pic>
       <p:sp>
         <p:nvSpPr>
-          <p:cNvPr id="217" name="Shape 217"/>
+          <p:cNvPr id="218" name="Shape 218"/>
           <p:cNvSpPr/>
           <p:nvPr/>
         </p:nvSpPr>
@@ -16648,7 +17407,7 @@
       </p:sp>
       <p:sp>
         <p:nvSpPr>
-          <p:cNvPr id="218" name="Shape 218"/>
+          <p:cNvPr id="219" name="Shape 219"/>
           <p:cNvSpPr/>
           <p:nvPr/>
         </p:nvSpPr>
@@ -16729,7 +17488,7 @@
       </p:sp>
       <p:pic>
         <p:nvPicPr>
-          <p:cNvPr id="232" name=""/>
+          <p:cNvPr id="233" name=""/>
           <p:cNvPicPr/>
           <p:nvPr/>
         </p:nvPicPr>
@@ -16753,7 +17512,7 @@
       </p:pic>
       <p:sp>
         <p:nvSpPr>
-          <p:cNvPr id="220" name="Shape 220"/>
+          <p:cNvPr id="221" name="Shape 221"/>
           <p:cNvSpPr/>
           <p:nvPr/>
         </p:nvSpPr>
@@ -16900,7 +17659,7 @@
       </p:sp>
       <p:pic>
         <p:nvPicPr>
-          <p:cNvPr id="221" name="pasted-image.png"/>
+          <p:cNvPr id="222" name="pasted-image.png"/>
           <p:cNvPicPr/>
           <p:nvPr/>
         </p:nvPicPr>
@@ -16927,7 +17686,7 @@
       </p:pic>
       <p:grpSp>
         <p:nvGrpSpPr>
-          <p:cNvPr id="224" name="Group 224"/>
+          <p:cNvPr id="225" name="Group 225"/>
           <p:cNvGrpSpPr/>
           <p:nvPr/>
         </p:nvGrpSpPr>
@@ -16941,7 +17700,7 @@
         </p:grpSpPr>
         <p:sp>
           <p:nvSpPr>
-            <p:cNvPr id="222" name="Shape 222"/>
+            <p:cNvPr id="223" name="Shape 223"/>
             <p:cNvSpPr/>
             <p:nvPr/>
           </p:nvSpPr>
@@ -17013,7 +17772,7 @@
         </p:sp>
         <p:pic>
           <p:nvPicPr>
-            <p:cNvPr id="223" name="pasted-image.png"/>
+            <p:cNvPr id="224" name="pasted-image.png"/>
             <p:cNvPicPr/>
             <p:nvPr/>
           </p:nvPicPr>
@@ -17043,7 +17802,7 @@
       </p:grpSp>
       <p:grpSp>
         <p:nvGrpSpPr>
-          <p:cNvPr id="227" name="Group 227"/>
+          <p:cNvPr id="228" name="Group 228"/>
           <p:cNvGrpSpPr/>
           <p:nvPr/>
         </p:nvGrpSpPr>
@@ -17057,7 +17816,7 @@
         </p:grpSpPr>
         <p:sp>
           <p:nvSpPr>
-            <p:cNvPr id="225" name="Shape 225"/>
+            <p:cNvPr id="226" name="Shape 226"/>
             <p:cNvSpPr/>
             <p:nvPr/>
           </p:nvSpPr>
@@ -17129,7 +17888,7 @@
         </p:sp>
         <p:pic>
           <p:nvPicPr>
-            <p:cNvPr id="226" name="pasted-image.png"/>
+            <p:cNvPr id="227" name="pasted-image.png"/>
             <p:cNvPicPr/>
             <p:nvPr/>
           </p:nvPicPr>
@@ -17159,7 +17918,7 @@
       </p:grpSp>
       <p:pic>
         <p:nvPicPr>
-          <p:cNvPr id="234" name=""/>
+          <p:cNvPr id="235" name=""/>
           <p:cNvPicPr/>
           <p:nvPr/>
         </p:nvPicPr>
@@ -17183,7 +17942,7 @@
       </p:pic>
       <p:sp>
         <p:nvSpPr>
-          <p:cNvPr id="229" name="Shape 229"/>
+          <p:cNvPr id="230" name="Shape 230"/>
           <p:cNvSpPr/>
           <p:nvPr/>
         </p:nvSpPr>
